--- a/Trabalho_4/Trabalho 4  Mineração_de_Dados.pptx
+++ b/Trabalho_4/Trabalho 4  Mineração_de_Dados.pptx
@@ -5,14 +5,17 @@
     <p:sldMasterId id="2147483648" r:id="rId1"/>
   </p:sldMasterIdLst>
   <p:notesMasterIdLst>
-    <p:notesMasterId r:id="rId7"/>
+    <p:notesMasterId r:id="rId10"/>
   </p:notesMasterIdLst>
   <p:sldIdLst>
     <p:sldId id="256" r:id="rId2"/>
     <p:sldId id="257" r:id="rId3"/>
     <p:sldId id="292" r:id="rId4"/>
-    <p:sldId id="290" r:id="rId5"/>
-    <p:sldId id="291" r:id="rId6"/>
+    <p:sldId id="295" r:id="rId5"/>
+    <p:sldId id="294" r:id="rId6"/>
+    <p:sldId id="293" r:id="rId7"/>
+    <p:sldId id="290" r:id="rId8"/>
+    <p:sldId id="291" r:id="rId9"/>
   </p:sldIdLst>
   <p:sldSz cx="10080625" cy="5670550"/>
   <p:notesSz cx="7559675" cy="10691813"/>
@@ -701,7 +704,7 @@
               <a:rPr lang="en-US" sz="1200" b="0" strike="noStrike" spc="-1">
                 <a:latin typeface="Times New Roman"/>
               </a:rPr>
-              <a:t>5</a:t>
+              <a:t>8</a:t>
             </a:fld>
             <a:endParaRPr lang="pt-BR" sz="1200" b="0" strike="noStrike" spc="-1">
               <a:latin typeface="Arial"/>
@@ -3592,26 +3595,11 @@
                 </a:solidFill>
                 <a:latin typeface="Arial"/>
               </a:rPr>
-              <a:t>K-</a:t>
-            </a:r>
-            <a:r>
-              <a:rPr lang="pt-BR" sz="1600" spc="-1" dirty="0" err="1">
-                <a:solidFill>
-                  <a:srgbClr val="000000"/>
-                </a:solidFill>
-                <a:latin typeface="Arial"/>
-              </a:rPr>
-              <a:t>means</a:t>
-            </a:r>
-            <a:endParaRPr lang="pt-BR" sz="1600" spc="-1" dirty="0">
-              <a:solidFill>
-                <a:srgbClr val="000000"/>
-              </a:solidFill>
-              <a:latin typeface="Arial"/>
-            </a:endParaRPr>
-          </a:p>
-          <a:p>
-            <a:pPr marL="344160" indent="-285120">
+              <a:t>Avaliação da entropia:</a:t>
+            </a:r>
+          </a:p>
+          <a:p>
+            <a:pPr marL="59040">
               <a:lnSpc>
                 <a:spcPct val="90000"/>
               </a:lnSpc>
@@ -3621,21 +3609,76 @@
               <a:buClr>
                 <a:srgbClr val="000000"/>
               </a:buClr>
-              <a:buFont typeface="Arial"/>
-              <a:buChar char="•"/>
               <a:tabLst>
                 <a:tab pos="408240" algn="l"/>
               </a:tabLst>
             </a:pPr>
-            <a:endParaRPr lang="pt-BR" sz="1600" spc="-1" dirty="0">
-              <a:solidFill>
-                <a:srgbClr val="000000"/>
-              </a:solidFill>
-              <a:latin typeface="Arial"/>
-            </a:endParaRPr>
-          </a:p>
-          <a:p>
-            <a:pPr marL="344160" indent="-285120">
+            <a:r>
+              <a:rPr lang="en-US" sz="1600" spc="-1" dirty="0">
+                <a:solidFill>
+                  <a:srgbClr val="000000"/>
+                </a:solidFill>
+                <a:latin typeface="Courier New"/>
+              </a:rPr>
+              <a:t>	eval &lt;- </a:t>
+            </a:r>
+            <a:r>
+              <a:rPr lang="en-US" sz="1600" spc="-1" dirty="0" err="1">
+                <a:solidFill>
+                  <a:srgbClr val="000000"/>
+                </a:solidFill>
+                <a:latin typeface="Courier New"/>
+              </a:rPr>
+              <a:t>cluster_evaluation</a:t>
+            </a:r>
+            <a:r>
+              <a:rPr lang="en-US" sz="1600" spc="-1" dirty="0">
+                <a:solidFill>
+                  <a:srgbClr val="000000"/>
+                </a:solidFill>
+                <a:latin typeface="Courier New"/>
+              </a:rPr>
+              <a:t>(rep(1, </a:t>
+            </a:r>
+            <a:r>
+              <a:rPr lang="en-US" sz="1600" spc="-1" dirty="0" err="1">
+                <a:solidFill>
+                  <a:srgbClr val="000000"/>
+                </a:solidFill>
+                <a:latin typeface="Courier New"/>
+              </a:rPr>
+              <a:t>nrow</a:t>
+            </a:r>
+            <a:r>
+              <a:rPr lang="en-US" sz="1600" spc="-1" dirty="0">
+                <a:solidFill>
+                  <a:srgbClr val="000000"/>
+                </a:solidFill>
+                <a:latin typeface="Courier New"/>
+              </a:rPr>
+              <a:t>(data)), </a:t>
+            </a:r>
+            <a:r>
+              <a:rPr lang="en-US" sz="1600" spc="-1" dirty="0" err="1">
+                <a:solidFill>
+                  <a:srgbClr val="000000"/>
+                </a:solidFill>
+                <a:latin typeface="Courier New"/>
+              </a:rPr>
+              <a:t>data$cod</a:t>
+            </a:r>
+            <a:r>
+              <a:rPr lang="en-US" sz="1600" spc="-1" dirty="0">
+                <a:solidFill>
+                  <a:srgbClr val="000000"/>
+                </a:solidFill>
+                <a:latin typeface="Courier New"/>
+              </a:rPr>
+              <a:t>)</a:t>
+            </a:r>
+          </a:p>
+          <a:p>
+            <a:pPr marL="59040">
               <a:lnSpc>
                 <a:spcPct val="90000"/>
               </a:lnSpc>
@@ -3645,84 +3688,19 @@
               <a:buClr>
                 <a:srgbClr val="000000"/>
               </a:buClr>
-              <a:buFont typeface="Arial"/>
-              <a:buChar char="•"/>
               <a:tabLst>
                 <a:tab pos="408240" algn="l"/>
               </a:tabLst>
             </a:pPr>
             <a:r>
-              <a:rPr lang="pt-BR" sz="1600" spc="-1" dirty="0" err="1">
-                <a:solidFill>
-                  <a:srgbClr val="000000"/>
-                </a:solidFill>
-                <a:latin typeface="Arial"/>
-              </a:rPr>
-              <a:t>Kmedoid</a:t>
-            </a:r>
-            <a:endParaRPr lang="pt-BR" sz="1600" spc="-1" dirty="0">
-              <a:solidFill>
-                <a:srgbClr val="000000"/>
-              </a:solidFill>
-              <a:latin typeface="Arial"/>
-            </a:endParaRPr>
-          </a:p>
-          <a:p>
-            <a:pPr marL="344160" indent="-285120">
-              <a:lnSpc>
-                <a:spcPct val="90000"/>
-              </a:lnSpc>
-              <a:spcAft>
-                <a:spcPts val="601"/>
-              </a:spcAft>
-              <a:buClr>
-                <a:srgbClr val="000000"/>
-              </a:buClr>
-              <a:buFont typeface="Arial"/>
-              <a:buChar char="•"/>
-              <a:tabLst>
-                <a:tab pos="408240" algn="l"/>
-              </a:tabLst>
-            </a:pPr>
-            <a:endParaRPr lang="pt-BR" sz="1600" spc="-1" dirty="0">
-              <a:solidFill>
-                <a:srgbClr val="000000"/>
-              </a:solidFill>
-              <a:latin typeface="Arial"/>
-            </a:endParaRPr>
-          </a:p>
-          <a:p>
-            <a:pPr marL="344160" indent="-285120">
-              <a:lnSpc>
-                <a:spcPct val="90000"/>
-              </a:lnSpc>
-              <a:spcAft>
-                <a:spcPts val="601"/>
-              </a:spcAft>
-              <a:buClr>
-                <a:srgbClr val="000000"/>
-              </a:buClr>
-              <a:buFont typeface="Arial"/>
-              <a:buChar char="•"/>
-              <a:tabLst>
-                <a:tab pos="408240" algn="l"/>
-              </a:tabLst>
-            </a:pPr>
-            <a:r>
-              <a:rPr lang="pt-BR" sz="1600" spc="-1" dirty="0" err="1">
-                <a:solidFill>
-                  <a:srgbClr val="000000"/>
-                </a:solidFill>
-                <a:latin typeface="Arial"/>
-              </a:rPr>
-              <a:t>Dbscan</a:t>
-            </a:r>
-            <a:endParaRPr lang="pt-BR" sz="1600" spc="-1" dirty="0">
-              <a:solidFill>
-                <a:srgbClr val="000000"/>
-              </a:solidFill>
-              <a:latin typeface="Arial"/>
-            </a:endParaRPr>
+              <a:rPr lang="pt-BR" sz="1600" spc="-1" dirty="0">
+                <a:solidFill>
+                  <a:srgbClr val="000000"/>
+                </a:solidFill>
+                <a:latin typeface="Arial"/>
+              </a:rPr>
+              <a:t>	[1] 12.72632</a:t>
+            </a:r>
           </a:p>
           <a:p>
             <a:pPr marL="344160" indent="-285120">
@@ -3840,6 +3818,1294 @@
       </p:grpSpPr>
       <p:sp>
         <p:nvSpPr>
+          <p:cNvPr id="47" name="CustomShape 1"/>
+          <p:cNvSpPr/>
+          <p:nvPr/>
+        </p:nvSpPr>
+        <p:spPr>
+          <a:xfrm>
+            <a:off x="720000" y="1015214"/>
+            <a:ext cx="8638560" cy="4022150"/>
+          </a:xfrm>
+          <a:prstGeom prst="rect">
+            <a:avLst/>
+          </a:prstGeom>
+          <a:noFill/>
+          <a:ln w="0">
+            <a:noFill/>
+          </a:ln>
+        </p:spPr>
+        <p:style>
+          <a:lnRef idx="0">
+            <a:scrgbClr r="0" g="0" b="0"/>
+          </a:lnRef>
+          <a:fillRef idx="0">
+            <a:scrgbClr r="0" g="0" b="0"/>
+          </a:fillRef>
+          <a:effectRef idx="0">
+            <a:scrgbClr r="0" g="0" b="0"/>
+          </a:effectRef>
+          <a:fontRef idx="minor"/>
+        </p:style>
+        <p:txBody>
+          <a:bodyPr lIns="90000" tIns="45000" rIns="90000" bIns="45000">
+            <a:noAutofit/>
+          </a:bodyPr>
+          <a:lstStyle/>
+          <a:p>
+            <a:pPr marL="344160" indent="-285120">
+              <a:lnSpc>
+                <a:spcPct val="90000"/>
+              </a:lnSpc>
+              <a:spcAft>
+                <a:spcPts val="601"/>
+              </a:spcAft>
+              <a:buClr>
+                <a:srgbClr val="000000"/>
+              </a:buClr>
+              <a:buFont typeface="Arial"/>
+              <a:buChar char="•"/>
+              <a:tabLst>
+                <a:tab pos="408240" algn="l"/>
+              </a:tabLst>
+            </a:pPr>
+            <a:endParaRPr lang="pt-BR" sz="1600" spc="-1" dirty="0">
+              <a:solidFill>
+                <a:srgbClr val="000000"/>
+              </a:solidFill>
+              <a:latin typeface="Courier New"/>
+            </a:endParaRPr>
+          </a:p>
+        </p:txBody>
+      </p:sp>
+      <p:sp>
+        <p:nvSpPr>
+          <p:cNvPr id="48" name="CustomShape 2"/>
+          <p:cNvSpPr/>
+          <p:nvPr/>
+        </p:nvSpPr>
+        <p:spPr>
+          <a:xfrm>
+            <a:off x="0" y="210240"/>
+            <a:ext cx="10078920" cy="461160"/>
+          </a:xfrm>
+          <a:prstGeom prst="rect">
+            <a:avLst/>
+          </a:prstGeom>
+          <a:noFill/>
+          <a:ln w="0">
+            <a:noFill/>
+          </a:ln>
+        </p:spPr>
+        <p:style>
+          <a:lnRef idx="0">
+            <a:scrgbClr r="0" g="0" b="0"/>
+          </a:lnRef>
+          <a:fillRef idx="0">
+            <a:scrgbClr r="0" g="0" b="0"/>
+          </a:fillRef>
+          <a:effectRef idx="0">
+            <a:scrgbClr r="0" g="0" b="0"/>
+          </a:effectRef>
+          <a:fontRef idx="minor"/>
+        </p:style>
+        <p:txBody>
+          <a:bodyPr lIns="90000" tIns="45000" rIns="90000" bIns="45000">
+            <a:noAutofit/>
+          </a:bodyPr>
+          <a:lstStyle/>
+          <a:p>
+            <a:pPr algn="ctr">
+              <a:lnSpc>
+                <a:spcPct val="90000"/>
+              </a:lnSpc>
+              <a:spcAft>
+                <a:spcPts val="601"/>
+              </a:spcAft>
+            </a:pPr>
+            <a:r>
+              <a:rPr lang="pt-BR" sz="2800" b="1" strike="noStrike" spc="-1" dirty="0">
+                <a:solidFill>
+                  <a:srgbClr val="000000"/>
+                </a:solidFill>
+                <a:latin typeface="Arial"/>
+                <a:ea typeface="DejaVu Sans"/>
+              </a:rPr>
+              <a:t>K-</a:t>
+            </a:r>
+            <a:r>
+              <a:rPr lang="pt-BR" sz="2800" b="1" strike="noStrike" spc="-1" dirty="0" err="1">
+                <a:solidFill>
+                  <a:srgbClr val="000000"/>
+                </a:solidFill>
+                <a:latin typeface="Arial"/>
+                <a:ea typeface="DejaVu Sans"/>
+              </a:rPr>
+              <a:t>means</a:t>
+            </a:r>
+            <a:endParaRPr lang="pt-BR" sz="2800" b="1" strike="noStrike" spc="-1" dirty="0">
+              <a:solidFill>
+                <a:srgbClr val="000000"/>
+              </a:solidFill>
+              <a:latin typeface="Arial"/>
+              <a:ea typeface="DejaVu Sans"/>
+            </a:endParaRPr>
+          </a:p>
+        </p:txBody>
+      </p:sp>
+      <p:pic>
+        <p:nvPicPr>
+          <p:cNvPr id="2" name="Imagem 1">
+            <a:extLst>
+              <a:ext uri="{FF2B5EF4-FFF2-40B4-BE49-F238E27FC236}">
+                <a16:creationId xmlns:a16="http://schemas.microsoft.com/office/drawing/2014/main" id="{1858908B-D2CE-F56C-E407-FDC64CA5F8AC}"/>
+              </a:ext>
+            </a:extLst>
+          </p:cNvPr>
+          <p:cNvPicPr>
+            <a:picLocks noChangeAspect="1"/>
+          </p:cNvPicPr>
+          <p:nvPr/>
+        </p:nvPicPr>
+        <p:blipFill>
+          <a:blip r:embed="rId2"/>
+          <a:stretch>
+            <a:fillRect/>
+          </a:stretch>
+        </p:blipFill>
+        <p:spPr>
+          <a:xfrm>
+            <a:off x="36446" y="1508065"/>
+            <a:ext cx="5745978" cy="3977985"/>
+          </a:xfrm>
+          <a:prstGeom prst="rect">
+            <a:avLst/>
+          </a:prstGeom>
+        </p:spPr>
+      </p:pic>
+      <p:sp>
+        <p:nvSpPr>
+          <p:cNvPr id="3" name="CustomShape 1">
+            <a:extLst>
+              <a:ext uri="{FF2B5EF4-FFF2-40B4-BE49-F238E27FC236}">
+                <a16:creationId xmlns:a16="http://schemas.microsoft.com/office/drawing/2014/main" id="{6126066F-AE0B-45DF-4EB2-4FA741D2DEA7}"/>
+              </a:ext>
+            </a:extLst>
+          </p:cNvPr>
+          <p:cNvSpPr/>
+          <p:nvPr/>
+        </p:nvSpPr>
+        <p:spPr>
+          <a:xfrm>
+            <a:off x="1468394" y="1592157"/>
+            <a:ext cx="2474957" cy="285629"/>
+          </a:xfrm>
+          <a:prstGeom prst="rect">
+            <a:avLst/>
+          </a:prstGeom>
+          <a:noFill/>
+          <a:ln w="0">
+            <a:noFill/>
+          </a:ln>
+        </p:spPr>
+        <p:style>
+          <a:lnRef idx="0">
+            <a:scrgbClr r="0" g="0" b="0"/>
+          </a:lnRef>
+          <a:fillRef idx="0">
+            <a:scrgbClr r="0" g="0" b="0"/>
+          </a:fillRef>
+          <a:effectRef idx="0">
+            <a:scrgbClr r="0" g="0" b="0"/>
+          </a:effectRef>
+          <a:fontRef idx="minor"/>
+        </p:style>
+        <p:txBody>
+          <a:bodyPr lIns="90000" tIns="45000" rIns="90000" bIns="45000">
+            <a:noAutofit/>
+          </a:bodyPr>
+          <a:lstStyle/>
+          <a:p>
+            <a:pPr marL="59040">
+              <a:lnSpc>
+                <a:spcPct val="90000"/>
+              </a:lnSpc>
+              <a:spcAft>
+                <a:spcPts val="601"/>
+              </a:spcAft>
+              <a:buClr>
+                <a:srgbClr val="000000"/>
+              </a:buClr>
+              <a:tabLst>
+                <a:tab pos="408240" algn="l"/>
+              </a:tabLst>
+            </a:pPr>
+            <a:r>
+              <a:rPr lang="pt-BR" sz="1600" b="1" spc="-1" dirty="0">
+                <a:solidFill>
+                  <a:srgbClr val="000000"/>
+                </a:solidFill>
+                <a:latin typeface="Arial"/>
+              </a:rPr>
+              <a:t>Tamanho ótimo de K</a:t>
+            </a:r>
+          </a:p>
+          <a:p>
+            <a:pPr marL="344160" indent="-285120">
+              <a:lnSpc>
+                <a:spcPct val="90000"/>
+              </a:lnSpc>
+              <a:spcAft>
+                <a:spcPts val="601"/>
+              </a:spcAft>
+              <a:buClr>
+                <a:srgbClr val="000000"/>
+              </a:buClr>
+              <a:buFont typeface="Arial"/>
+              <a:buChar char="•"/>
+              <a:tabLst>
+                <a:tab pos="408240" algn="l"/>
+              </a:tabLst>
+            </a:pPr>
+            <a:endParaRPr lang="pt-BR" sz="1600" b="1" spc="-1" dirty="0">
+              <a:solidFill>
+                <a:srgbClr val="000000"/>
+              </a:solidFill>
+              <a:latin typeface="Courier New"/>
+            </a:endParaRPr>
+          </a:p>
+        </p:txBody>
+      </p:sp>
+      <p:sp>
+        <p:nvSpPr>
+          <p:cNvPr id="4" name="CustomShape 1">
+            <a:extLst>
+              <a:ext uri="{FF2B5EF4-FFF2-40B4-BE49-F238E27FC236}">
+                <a16:creationId xmlns:a16="http://schemas.microsoft.com/office/drawing/2014/main" id="{6934491E-E9A7-6275-F89B-9E2815171C55}"/>
+              </a:ext>
+            </a:extLst>
+          </p:cNvPr>
+          <p:cNvSpPr/>
+          <p:nvPr/>
+        </p:nvSpPr>
+        <p:spPr>
+          <a:xfrm>
+            <a:off x="6078494" y="1592156"/>
+            <a:ext cx="2474957" cy="285629"/>
+          </a:xfrm>
+          <a:prstGeom prst="rect">
+            <a:avLst/>
+          </a:prstGeom>
+          <a:noFill/>
+          <a:ln w="0">
+            <a:noFill/>
+          </a:ln>
+        </p:spPr>
+        <p:style>
+          <a:lnRef idx="0">
+            <a:scrgbClr r="0" g="0" b="0"/>
+          </a:lnRef>
+          <a:fillRef idx="0">
+            <a:scrgbClr r="0" g="0" b="0"/>
+          </a:fillRef>
+          <a:effectRef idx="0">
+            <a:scrgbClr r="0" g="0" b="0"/>
+          </a:effectRef>
+          <a:fontRef idx="minor"/>
+        </p:style>
+        <p:txBody>
+          <a:bodyPr lIns="90000" tIns="45000" rIns="90000" bIns="45000">
+            <a:noAutofit/>
+          </a:bodyPr>
+          <a:lstStyle/>
+          <a:p>
+            <a:pPr marL="59040">
+              <a:lnSpc>
+                <a:spcPct val="90000"/>
+              </a:lnSpc>
+              <a:spcAft>
+                <a:spcPts val="601"/>
+              </a:spcAft>
+              <a:buClr>
+                <a:srgbClr val="000000"/>
+              </a:buClr>
+              <a:tabLst>
+                <a:tab pos="408240" algn="l"/>
+              </a:tabLst>
+            </a:pPr>
+            <a:r>
+              <a:rPr lang="pt-BR" sz="1600" b="1" spc="-1" dirty="0">
+                <a:solidFill>
+                  <a:srgbClr val="000000"/>
+                </a:solidFill>
+                <a:latin typeface="Arial"/>
+              </a:rPr>
+              <a:t>Execução de K = 4</a:t>
+            </a:r>
+          </a:p>
+          <a:p>
+            <a:pPr marL="59040">
+              <a:lnSpc>
+                <a:spcPct val="90000"/>
+              </a:lnSpc>
+              <a:spcAft>
+                <a:spcPts val="601"/>
+              </a:spcAft>
+              <a:buClr>
+                <a:srgbClr val="000000"/>
+              </a:buClr>
+              <a:tabLst>
+                <a:tab pos="408240" algn="l"/>
+              </a:tabLst>
+            </a:pPr>
+            <a:endParaRPr lang="pt-BR" sz="1600" spc="-1" dirty="0">
+              <a:solidFill>
+                <a:srgbClr val="000000"/>
+              </a:solidFill>
+              <a:latin typeface="Arial"/>
+            </a:endParaRPr>
+          </a:p>
+          <a:p>
+            <a:pPr marL="344160" indent="-285120">
+              <a:lnSpc>
+                <a:spcPct val="90000"/>
+              </a:lnSpc>
+              <a:spcAft>
+                <a:spcPts val="601"/>
+              </a:spcAft>
+              <a:buClr>
+                <a:srgbClr val="000000"/>
+              </a:buClr>
+              <a:buFont typeface="Arial"/>
+              <a:buChar char="•"/>
+              <a:tabLst>
+                <a:tab pos="408240" algn="l"/>
+              </a:tabLst>
+            </a:pPr>
+            <a:endParaRPr lang="pt-BR" sz="1600" b="1" spc="-1" dirty="0">
+              <a:solidFill>
+                <a:srgbClr val="000000"/>
+              </a:solidFill>
+              <a:latin typeface="Courier New"/>
+            </a:endParaRPr>
+          </a:p>
+        </p:txBody>
+      </p:sp>
+      <p:pic>
+        <p:nvPicPr>
+          <p:cNvPr id="6" name="Imagem 5">
+            <a:extLst>
+              <a:ext uri="{FF2B5EF4-FFF2-40B4-BE49-F238E27FC236}">
+                <a16:creationId xmlns:a16="http://schemas.microsoft.com/office/drawing/2014/main" id="{2F6BE1B0-9E97-AA3A-C618-62D359ABE39D}"/>
+              </a:ext>
+            </a:extLst>
+          </p:cNvPr>
+          <p:cNvPicPr>
+            <a:picLocks noChangeAspect="1"/>
+          </p:cNvPicPr>
+          <p:nvPr/>
+        </p:nvPicPr>
+        <p:blipFill rotWithShape="1">
+          <a:blip r:embed="rId3"/>
+          <a:srcRect r="9658"/>
+          <a:stretch/>
+        </p:blipFill>
+        <p:spPr>
+          <a:xfrm>
+            <a:off x="4875466" y="2253290"/>
+            <a:ext cx="5205159" cy="1078316"/>
+          </a:xfrm>
+          <a:prstGeom prst="rect">
+            <a:avLst/>
+          </a:prstGeom>
+        </p:spPr>
+      </p:pic>
+    </p:spTree>
+    <p:extLst>
+      <p:ext uri="{BB962C8B-B14F-4D97-AF65-F5344CB8AC3E}">
+        <p14:creationId xmlns:p14="http://schemas.microsoft.com/office/powerpoint/2010/main" val="963936021"/>
+      </p:ext>
+    </p:extLst>
+  </p:cSld>
+  <p:clrMapOvr>
+    <a:masterClrMapping/>
+  </p:clrMapOvr>
+</p:sld>
+</file>
+
+<file path=ppt/slides/slide5.xml><?xml version="1.0" encoding="utf-8"?>
+<p:sld xmlns:a="http://schemas.openxmlformats.org/drawingml/2006/main" xmlns:r="http://schemas.openxmlformats.org/officeDocument/2006/relationships" xmlns:p="http://schemas.openxmlformats.org/presentationml/2006/main">
+  <p:cSld>
+    <p:spTree>
+      <p:nvGrpSpPr>
+        <p:cNvPr id="1" name=""/>
+        <p:cNvGrpSpPr/>
+        <p:nvPr/>
+      </p:nvGrpSpPr>
+      <p:grpSpPr>
+        <a:xfrm>
+          <a:off x="0" y="0"/>
+          <a:ext cx="0" cy="0"/>
+          <a:chOff x="0" y="0"/>
+          <a:chExt cx="0" cy="0"/>
+        </a:xfrm>
+      </p:grpSpPr>
+      <p:sp>
+        <p:nvSpPr>
+          <p:cNvPr id="47" name="CustomShape 1"/>
+          <p:cNvSpPr/>
+          <p:nvPr/>
+        </p:nvSpPr>
+        <p:spPr>
+          <a:xfrm>
+            <a:off x="720000" y="1015214"/>
+            <a:ext cx="8638560" cy="4022150"/>
+          </a:xfrm>
+          <a:prstGeom prst="rect">
+            <a:avLst/>
+          </a:prstGeom>
+          <a:noFill/>
+          <a:ln w="0">
+            <a:noFill/>
+          </a:ln>
+        </p:spPr>
+        <p:style>
+          <a:lnRef idx="0">
+            <a:scrgbClr r="0" g="0" b="0"/>
+          </a:lnRef>
+          <a:fillRef idx="0">
+            <a:scrgbClr r="0" g="0" b="0"/>
+          </a:fillRef>
+          <a:effectRef idx="0">
+            <a:scrgbClr r="0" g="0" b="0"/>
+          </a:effectRef>
+          <a:fontRef idx="minor"/>
+        </p:style>
+        <p:txBody>
+          <a:bodyPr lIns="90000" tIns="45000" rIns="90000" bIns="45000">
+            <a:noAutofit/>
+          </a:bodyPr>
+          <a:lstStyle/>
+          <a:p>
+            <a:pPr marL="344160" indent="-285120">
+              <a:lnSpc>
+                <a:spcPct val="90000"/>
+              </a:lnSpc>
+              <a:spcAft>
+                <a:spcPts val="601"/>
+              </a:spcAft>
+              <a:buClr>
+                <a:srgbClr val="000000"/>
+              </a:buClr>
+              <a:buFont typeface="Arial"/>
+              <a:buChar char="•"/>
+              <a:tabLst>
+                <a:tab pos="408240" algn="l"/>
+              </a:tabLst>
+            </a:pPr>
+            <a:endParaRPr lang="pt-BR" sz="1600" spc="-1" dirty="0">
+              <a:solidFill>
+                <a:srgbClr val="000000"/>
+              </a:solidFill>
+              <a:latin typeface="Courier New"/>
+            </a:endParaRPr>
+          </a:p>
+        </p:txBody>
+      </p:sp>
+      <p:sp>
+        <p:nvSpPr>
+          <p:cNvPr id="48" name="CustomShape 2"/>
+          <p:cNvSpPr/>
+          <p:nvPr/>
+        </p:nvSpPr>
+        <p:spPr>
+          <a:xfrm>
+            <a:off x="0" y="210240"/>
+            <a:ext cx="10078920" cy="461160"/>
+          </a:xfrm>
+          <a:prstGeom prst="rect">
+            <a:avLst/>
+          </a:prstGeom>
+          <a:noFill/>
+          <a:ln w="0">
+            <a:noFill/>
+          </a:ln>
+        </p:spPr>
+        <p:style>
+          <a:lnRef idx="0">
+            <a:scrgbClr r="0" g="0" b="0"/>
+          </a:lnRef>
+          <a:fillRef idx="0">
+            <a:scrgbClr r="0" g="0" b="0"/>
+          </a:fillRef>
+          <a:effectRef idx="0">
+            <a:scrgbClr r="0" g="0" b="0"/>
+          </a:effectRef>
+          <a:fontRef idx="minor"/>
+        </p:style>
+        <p:txBody>
+          <a:bodyPr lIns="90000" tIns="45000" rIns="90000" bIns="45000">
+            <a:noAutofit/>
+          </a:bodyPr>
+          <a:lstStyle/>
+          <a:p>
+            <a:pPr algn="ctr">
+              <a:lnSpc>
+                <a:spcPct val="90000"/>
+              </a:lnSpc>
+              <a:spcAft>
+                <a:spcPts val="601"/>
+              </a:spcAft>
+            </a:pPr>
+            <a:r>
+              <a:rPr lang="pt-BR" sz="2800" b="1" spc="-1" dirty="0" err="1">
+                <a:solidFill>
+                  <a:srgbClr val="000000"/>
+                </a:solidFill>
+                <a:latin typeface="Arial"/>
+                <a:ea typeface="DejaVu Sans"/>
+              </a:rPr>
+              <a:t>Kmedoids</a:t>
+            </a:r>
+            <a:endParaRPr lang="pt-BR" sz="2800" b="1" strike="noStrike" spc="-1" dirty="0">
+              <a:solidFill>
+                <a:srgbClr val="000000"/>
+              </a:solidFill>
+              <a:latin typeface="Arial"/>
+              <a:ea typeface="DejaVu Sans"/>
+            </a:endParaRPr>
+          </a:p>
+        </p:txBody>
+      </p:sp>
+      <p:sp>
+        <p:nvSpPr>
+          <p:cNvPr id="3" name="CustomShape 1">
+            <a:extLst>
+              <a:ext uri="{FF2B5EF4-FFF2-40B4-BE49-F238E27FC236}">
+                <a16:creationId xmlns:a16="http://schemas.microsoft.com/office/drawing/2014/main" id="{6126066F-AE0B-45DF-4EB2-4FA741D2DEA7}"/>
+              </a:ext>
+            </a:extLst>
+          </p:cNvPr>
+          <p:cNvSpPr/>
+          <p:nvPr/>
+        </p:nvSpPr>
+        <p:spPr>
+          <a:xfrm>
+            <a:off x="1468394" y="1592157"/>
+            <a:ext cx="2474957" cy="285629"/>
+          </a:xfrm>
+          <a:prstGeom prst="rect">
+            <a:avLst/>
+          </a:prstGeom>
+          <a:noFill/>
+          <a:ln w="0">
+            <a:noFill/>
+          </a:ln>
+        </p:spPr>
+        <p:style>
+          <a:lnRef idx="0">
+            <a:scrgbClr r="0" g="0" b="0"/>
+          </a:lnRef>
+          <a:fillRef idx="0">
+            <a:scrgbClr r="0" g="0" b="0"/>
+          </a:fillRef>
+          <a:effectRef idx="0">
+            <a:scrgbClr r="0" g="0" b="0"/>
+          </a:effectRef>
+          <a:fontRef idx="minor"/>
+        </p:style>
+        <p:txBody>
+          <a:bodyPr lIns="90000" tIns="45000" rIns="90000" bIns="45000">
+            <a:noAutofit/>
+          </a:bodyPr>
+          <a:lstStyle/>
+          <a:p>
+            <a:pPr marL="59040">
+              <a:lnSpc>
+                <a:spcPct val="90000"/>
+              </a:lnSpc>
+              <a:spcAft>
+                <a:spcPts val="601"/>
+              </a:spcAft>
+              <a:buClr>
+                <a:srgbClr val="000000"/>
+              </a:buClr>
+              <a:tabLst>
+                <a:tab pos="408240" algn="l"/>
+              </a:tabLst>
+            </a:pPr>
+            <a:r>
+              <a:rPr lang="pt-BR" sz="1600" b="1" spc="-1" dirty="0">
+                <a:solidFill>
+                  <a:srgbClr val="000000"/>
+                </a:solidFill>
+                <a:latin typeface="Arial"/>
+              </a:rPr>
+              <a:t>Tamanho ótimo de K</a:t>
+            </a:r>
+          </a:p>
+          <a:p>
+            <a:pPr marL="344160" indent="-285120">
+              <a:lnSpc>
+                <a:spcPct val="90000"/>
+              </a:lnSpc>
+              <a:spcAft>
+                <a:spcPts val="601"/>
+              </a:spcAft>
+              <a:buClr>
+                <a:srgbClr val="000000"/>
+              </a:buClr>
+              <a:buFont typeface="Arial"/>
+              <a:buChar char="•"/>
+              <a:tabLst>
+                <a:tab pos="408240" algn="l"/>
+              </a:tabLst>
+            </a:pPr>
+            <a:endParaRPr lang="pt-BR" sz="1600" b="1" spc="-1" dirty="0">
+              <a:solidFill>
+                <a:srgbClr val="000000"/>
+              </a:solidFill>
+              <a:latin typeface="Courier New"/>
+            </a:endParaRPr>
+          </a:p>
+        </p:txBody>
+      </p:sp>
+      <p:sp>
+        <p:nvSpPr>
+          <p:cNvPr id="4" name="CustomShape 1">
+            <a:extLst>
+              <a:ext uri="{FF2B5EF4-FFF2-40B4-BE49-F238E27FC236}">
+                <a16:creationId xmlns:a16="http://schemas.microsoft.com/office/drawing/2014/main" id="{6934491E-E9A7-6275-F89B-9E2815171C55}"/>
+              </a:ext>
+            </a:extLst>
+          </p:cNvPr>
+          <p:cNvSpPr/>
+          <p:nvPr/>
+        </p:nvSpPr>
+        <p:spPr>
+          <a:xfrm>
+            <a:off x="6078494" y="1592156"/>
+            <a:ext cx="2474957" cy="285629"/>
+          </a:xfrm>
+          <a:prstGeom prst="rect">
+            <a:avLst/>
+          </a:prstGeom>
+          <a:noFill/>
+          <a:ln w="0">
+            <a:noFill/>
+          </a:ln>
+        </p:spPr>
+        <p:style>
+          <a:lnRef idx="0">
+            <a:scrgbClr r="0" g="0" b="0"/>
+          </a:lnRef>
+          <a:fillRef idx="0">
+            <a:scrgbClr r="0" g="0" b="0"/>
+          </a:fillRef>
+          <a:effectRef idx="0">
+            <a:scrgbClr r="0" g="0" b="0"/>
+          </a:effectRef>
+          <a:fontRef idx="minor"/>
+        </p:style>
+        <p:txBody>
+          <a:bodyPr lIns="90000" tIns="45000" rIns="90000" bIns="45000">
+            <a:noAutofit/>
+          </a:bodyPr>
+          <a:lstStyle/>
+          <a:p>
+            <a:pPr marL="59040">
+              <a:lnSpc>
+                <a:spcPct val="90000"/>
+              </a:lnSpc>
+              <a:spcAft>
+                <a:spcPts val="601"/>
+              </a:spcAft>
+              <a:buClr>
+                <a:srgbClr val="000000"/>
+              </a:buClr>
+              <a:tabLst>
+                <a:tab pos="408240" algn="l"/>
+              </a:tabLst>
+            </a:pPr>
+            <a:r>
+              <a:rPr lang="pt-BR" sz="1600" b="1" spc="-1" dirty="0">
+                <a:solidFill>
+                  <a:srgbClr val="000000"/>
+                </a:solidFill>
+                <a:latin typeface="Arial"/>
+              </a:rPr>
+              <a:t>Execução de K = 4</a:t>
+            </a:r>
+          </a:p>
+          <a:p>
+            <a:pPr marL="59040">
+              <a:lnSpc>
+                <a:spcPct val="90000"/>
+              </a:lnSpc>
+              <a:spcAft>
+                <a:spcPts val="601"/>
+              </a:spcAft>
+              <a:buClr>
+                <a:srgbClr val="000000"/>
+              </a:buClr>
+              <a:tabLst>
+                <a:tab pos="408240" algn="l"/>
+              </a:tabLst>
+            </a:pPr>
+            <a:endParaRPr lang="pt-BR" sz="1600" spc="-1" dirty="0">
+              <a:solidFill>
+                <a:srgbClr val="000000"/>
+              </a:solidFill>
+              <a:latin typeface="Arial"/>
+            </a:endParaRPr>
+          </a:p>
+          <a:p>
+            <a:pPr marL="344160" indent="-285120">
+              <a:lnSpc>
+                <a:spcPct val="90000"/>
+              </a:lnSpc>
+              <a:spcAft>
+                <a:spcPts val="601"/>
+              </a:spcAft>
+              <a:buClr>
+                <a:srgbClr val="000000"/>
+              </a:buClr>
+              <a:buFont typeface="Arial"/>
+              <a:buChar char="•"/>
+              <a:tabLst>
+                <a:tab pos="408240" algn="l"/>
+              </a:tabLst>
+            </a:pPr>
+            <a:endParaRPr lang="pt-BR" sz="1600" b="1" spc="-1" dirty="0">
+              <a:solidFill>
+                <a:srgbClr val="000000"/>
+              </a:solidFill>
+              <a:latin typeface="Courier New"/>
+            </a:endParaRPr>
+          </a:p>
+        </p:txBody>
+      </p:sp>
+    </p:spTree>
+    <p:extLst>
+      <p:ext uri="{BB962C8B-B14F-4D97-AF65-F5344CB8AC3E}">
+        <p14:creationId xmlns:p14="http://schemas.microsoft.com/office/powerpoint/2010/main" val="3394940093"/>
+      </p:ext>
+    </p:extLst>
+  </p:cSld>
+  <p:clrMapOvr>
+    <a:masterClrMapping/>
+  </p:clrMapOvr>
+</p:sld>
+</file>
+
+<file path=ppt/slides/slide6.xml><?xml version="1.0" encoding="utf-8"?>
+<p:sld xmlns:a="http://schemas.openxmlformats.org/drawingml/2006/main" xmlns:r="http://schemas.openxmlformats.org/officeDocument/2006/relationships" xmlns:p="http://schemas.openxmlformats.org/presentationml/2006/main">
+  <p:cSld>
+    <p:spTree>
+      <p:nvGrpSpPr>
+        <p:cNvPr id="1" name=""/>
+        <p:cNvGrpSpPr/>
+        <p:nvPr/>
+      </p:nvGrpSpPr>
+      <p:grpSpPr>
+        <a:xfrm>
+          <a:off x="0" y="0"/>
+          <a:ext cx="0" cy="0"/>
+          <a:chOff x="0" y="0"/>
+          <a:chExt cx="0" cy="0"/>
+        </a:xfrm>
+      </p:grpSpPr>
+      <p:sp>
+        <p:nvSpPr>
+          <p:cNvPr id="47" name="CustomShape 1"/>
+          <p:cNvSpPr/>
+          <p:nvPr/>
+        </p:nvSpPr>
+        <p:spPr>
+          <a:xfrm>
+            <a:off x="720000" y="1015214"/>
+            <a:ext cx="8638560" cy="4022150"/>
+          </a:xfrm>
+          <a:prstGeom prst="rect">
+            <a:avLst/>
+          </a:prstGeom>
+          <a:noFill/>
+          <a:ln w="0">
+            <a:noFill/>
+          </a:ln>
+        </p:spPr>
+        <p:style>
+          <a:lnRef idx="0">
+            <a:scrgbClr r="0" g="0" b="0"/>
+          </a:lnRef>
+          <a:fillRef idx="0">
+            <a:scrgbClr r="0" g="0" b="0"/>
+          </a:fillRef>
+          <a:effectRef idx="0">
+            <a:scrgbClr r="0" g="0" b="0"/>
+          </a:effectRef>
+          <a:fontRef idx="minor"/>
+        </p:style>
+        <p:txBody>
+          <a:bodyPr lIns="90000" tIns="45000" rIns="90000" bIns="45000">
+            <a:noAutofit/>
+          </a:bodyPr>
+          <a:lstStyle/>
+          <a:p>
+            <a:pPr marL="344160" indent="-285120">
+              <a:lnSpc>
+                <a:spcPct val="90000"/>
+              </a:lnSpc>
+              <a:spcAft>
+                <a:spcPts val="601"/>
+              </a:spcAft>
+              <a:buClr>
+                <a:srgbClr val="000000"/>
+              </a:buClr>
+              <a:buFont typeface="Arial"/>
+              <a:buChar char="•"/>
+              <a:tabLst>
+                <a:tab pos="408240" algn="l"/>
+              </a:tabLst>
+            </a:pPr>
+            <a:r>
+              <a:rPr lang="pt-BR" sz="1600" spc="-1" dirty="0">
+                <a:solidFill>
+                  <a:srgbClr val="000000"/>
+                </a:solidFill>
+                <a:latin typeface="Arial"/>
+              </a:rPr>
+              <a:t>Avaliação da entropia:</a:t>
+            </a:r>
+          </a:p>
+          <a:p>
+            <a:pPr marL="344160" indent="-285120">
+              <a:lnSpc>
+                <a:spcPct val="90000"/>
+              </a:lnSpc>
+              <a:spcAft>
+                <a:spcPts val="601"/>
+              </a:spcAft>
+              <a:buClr>
+                <a:srgbClr val="000000"/>
+              </a:buClr>
+              <a:buFont typeface="Arial"/>
+              <a:buChar char="•"/>
+              <a:tabLst>
+                <a:tab pos="408240" algn="l"/>
+              </a:tabLst>
+            </a:pPr>
+            <a:r>
+              <a:rPr lang="en-US" sz="1600" spc="-1" dirty="0">
+                <a:solidFill>
+                  <a:srgbClr val="000000"/>
+                </a:solidFill>
+                <a:latin typeface="Arial"/>
+              </a:rPr>
+              <a:t>eval &lt;- </a:t>
+            </a:r>
+            <a:r>
+              <a:rPr lang="en-US" sz="1600" spc="-1" dirty="0" err="1">
+                <a:solidFill>
+                  <a:srgbClr val="000000"/>
+                </a:solidFill>
+                <a:latin typeface="Arial"/>
+              </a:rPr>
+              <a:t>cluster_evaluation</a:t>
+            </a:r>
+            <a:r>
+              <a:rPr lang="en-US" sz="1600" spc="-1" dirty="0">
+                <a:solidFill>
+                  <a:srgbClr val="000000"/>
+                </a:solidFill>
+                <a:latin typeface="Arial"/>
+              </a:rPr>
+              <a:t>(rep(1, </a:t>
+            </a:r>
+            <a:r>
+              <a:rPr lang="en-US" sz="1600" spc="-1" dirty="0" err="1">
+                <a:solidFill>
+                  <a:srgbClr val="000000"/>
+                </a:solidFill>
+                <a:latin typeface="Arial"/>
+              </a:rPr>
+              <a:t>nrow</a:t>
+            </a:r>
+            <a:r>
+              <a:rPr lang="en-US" sz="1600" spc="-1" dirty="0">
+                <a:solidFill>
+                  <a:srgbClr val="000000"/>
+                </a:solidFill>
+                <a:latin typeface="Arial"/>
+              </a:rPr>
+              <a:t>(data)), </a:t>
+            </a:r>
+            <a:r>
+              <a:rPr lang="en-US" sz="1600" spc="-1" dirty="0" err="1">
+                <a:solidFill>
+                  <a:srgbClr val="000000"/>
+                </a:solidFill>
+                <a:latin typeface="Arial"/>
+              </a:rPr>
+              <a:t>data$cod</a:t>
+            </a:r>
+            <a:r>
+              <a:rPr lang="en-US" sz="1600" spc="-1" dirty="0">
+                <a:solidFill>
+                  <a:srgbClr val="000000"/>
+                </a:solidFill>
+                <a:latin typeface="Arial"/>
+              </a:rPr>
+              <a:t>)</a:t>
+            </a:r>
+          </a:p>
+          <a:p>
+            <a:pPr marL="344160" indent="-285120">
+              <a:lnSpc>
+                <a:spcPct val="90000"/>
+              </a:lnSpc>
+              <a:spcAft>
+                <a:spcPts val="601"/>
+              </a:spcAft>
+              <a:buClr>
+                <a:srgbClr val="000000"/>
+              </a:buClr>
+              <a:buFont typeface="Arial"/>
+              <a:buChar char="•"/>
+              <a:tabLst>
+                <a:tab pos="408240" algn="l"/>
+              </a:tabLst>
+            </a:pPr>
+            <a:r>
+              <a:rPr lang="en-US" sz="1600" spc="-1" dirty="0">
+                <a:solidFill>
+                  <a:srgbClr val="000000"/>
+                </a:solidFill>
+                <a:latin typeface="Arial"/>
+              </a:rPr>
+              <a:t>print(</a:t>
+            </a:r>
+            <a:r>
+              <a:rPr lang="en-US" sz="1600" spc="-1" dirty="0" err="1">
+                <a:solidFill>
+                  <a:srgbClr val="000000"/>
+                </a:solidFill>
+                <a:latin typeface="Arial"/>
+              </a:rPr>
+              <a:t>eval$entropy</a:t>
+            </a:r>
+            <a:r>
+              <a:rPr lang="en-US" sz="1600" spc="-1" dirty="0">
+                <a:solidFill>
+                  <a:srgbClr val="000000"/>
+                </a:solidFill>
+                <a:latin typeface="Arial"/>
+              </a:rPr>
+              <a:t>)</a:t>
+            </a:r>
+            <a:endParaRPr lang="pt-BR" sz="1600" spc="-1" dirty="0">
+              <a:solidFill>
+                <a:srgbClr val="000000"/>
+              </a:solidFill>
+              <a:latin typeface="Arial"/>
+            </a:endParaRPr>
+          </a:p>
+          <a:p>
+            <a:pPr marL="344160" indent="-285120">
+              <a:lnSpc>
+                <a:spcPct val="90000"/>
+              </a:lnSpc>
+              <a:spcAft>
+                <a:spcPts val="601"/>
+              </a:spcAft>
+              <a:buClr>
+                <a:srgbClr val="000000"/>
+              </a:buClr>
+              <a:buFont typeface="Arial"/>
+              <a:buChar char="•"/>
+              <a:tabLst>
+                <a:tab pos="408240" algn="l"/>
+              </a:tabLst>
+            </a:pPr>
+            <a:endParaRPr lang="pt-BR" sz="1600" spc="-1" dirty="0">
+              <a:solidFill>
+                <a:srgbClr val="000000"/>
+              </a:solidFill>
+              <a:latin typeface="Arial"/>
+            </a:endParaRPr>
+          </a:p>
+          <a:p>
+            <a:pPr marL="344160" indent="-285120">
+              <a:lnSpc>
+                <a:spcPct val="90000"/>
+              </a:lnSpc>
+              <a:spcAft>
+                <a:spcPts val="601"/>
+              </a:spcAft>
+              <a:buClr>
+                <a:srgbClr val="000000"/>
+              </a:buClr>
+              <a:buFont typeface="Arial"/>
+              <a:buChar char="•"/>
+              <a:tabLst>
+                <a:tab pos="408240" algn="l"/>
+              </a:tabLst>
+            </a:pPr>
+            <a:r>
+              <a:rPr lang="pt-BR" sz="1600" spc="-1" dirty="0">
+                <a:solidFill>
+                  <a:srgbClr val="000000"/>
+                </a:solidFill>
+                <a:latin typeface="Arial"/>
+              </a:rPr>
+              <a:t>K-</a:t>
+            </a:r>
+            <a:r>
+              <a:rPr lang="pt-BR" sz="1600" spc="-1" dirty="0" err="1">
+                <a:solidFill>
+                  <a:srgbClr val="000000"/>
+                </a:solidFill>
+                <a:latin typeface="Arial"/>
+              </a:rPr>
+              <a:t>means</a:t>
+            </a:r>
+            <a:endParaRPr lang="pt-BR" sz="1600" spc="-1" dirty="0">
+              <a:solidFill>
+                <a:srgbClr val="000000"/>
+              </a:solidFill>
+              <a:latin typeface="Arial"/>
+            </a:endParaRPr>
+          </a:p>
+          <a:p>
+            <a:pPr marL="344160" indent="-285120">
+              <a:lnSpc>
+                <a:spcPct val="90000"/>
+              </a:lnSpc>
+              <a:spcAft>
+                <a:spcPts val="601"/>
+              </a:spcAft>
+              <a:buClr>
+                <a:srgbClr val="000000"/>
+              </a:buClr>
+              <a:buFont typeface="Arial"/>
+              <a:buChar char="•"/>
+              <a:tabLst>
+                <a:tab pos="408240" algn="l"/>
+              </a:tabLst>
+            </a:pPr>
+            <a:endParaRPr lang="pt-BR" sz="1600" spc="-1" dirty="0">
+              <a:solidFill>
+                <a:srgbClr val="000000"/>
+              </a:solidFill>
+              <a:latin typeface="Arial"/>
+            </a:endParaRPr>
+          </a:p>
+          <a:p>
+            <a:pPr marL="344160" indent="-285120">
+              <a:lnSpc>
+                <a:spcPct val="90000"/>
+              </a:lnSpc>
+              <a:spcAft>
+                <a:spcPts val="601"/>
+              </a:spcAft>
+              <a:buClr>
+                <a:srgbClr val="000000"/>
+              </a:buClr>
+              <a:buFont typeface="Arial"/>
+              <a:buChar char="•"/>
+              <a:tabLst>
+                <a:tab pos="408240" algn="l"/>
+              </a:tabLst>
+            </a:pPr>
+            <a:r>
+              <a:rPr lang="pt-BR" sz="1600" spc="-1" dirty="0" err="1">
+                <a:solidFill>
+                  <a:srgbClr val="000000"/>
+                </a:solidFill>
+                <a:latin typeface="Arial"/>
+              </a:rPr>
+              <a:t>Kmedoid</a:t>
+            </a:r>
+            <a:endParaRPr lang="pt-BR" sz="1600" spc="-1" dirty="0">
+              <a:solidFill>
+                <a:srgbClr val="000000"/>
+              </a:solidFill>
+              <a:latin typeface="Arial"/>
+            </a:endParaRPr>
+          </a:p>
+          <a:p>
+            <a:pPr marL="344160" indent="-285120">
+              <a:lnSpc>
+                <a:spcPct val="90000"/>
+              </a:lnSpc>
+              <a:spcAft>
+                <a:spcPts val="601"/>
+              </a:spcAft>
+              <a:buClr>
+                <a:srgbClr val="000000"/>
+              </a:buClr>
+              <a:buFont typeface="Arial"/>
+              <a:buChar char="•"/>
+              <a:tabLst>
+                <a:tab pos="408240" algn="l"/>
+              </a:tabLst>
+            </a:pPr>
+            <a:endParaRPr lang="pt-BR" sz="1600" spc="-1" dirty="0">
+              <a:solidFill>
+                <a:srgbClr val="000000"/>
+              </a:solidFill>
+              <a:latin typeface="Arial"/>
+            </a:endParaRPr>
+          </a:p>
+          <a:p>
+            <a:pPr marL="344160" indent="-285120">
+              <a:lnSpc>
+                <a:spcPct val="90000"/>
+              </a:lnSpc>
+              <a:spcAft>
+                <a:spcPts val="601"/>
+              </a:spcAft>
+              <a:buClr>
+                <a:srgbClr val="000000"/>
+              </a:buClr>
+              <a:buFont typeface="Arial"/>
+              <a:buChar char="•"/>
+              <a:tabLst>
+                <a:tab pos="408240" algn="l"/>
+              </a:tabLst>
+            </a:pPr>
+            <a:r>
+              <a:rPr lang="pt-BR" sz="1600" spc="-1" dirty="0" err="1">
+                <a:solidFill>
+                  <a:srgbClr val="000000"/>
+                </a:solidFill>
+                <a:latin typeface="Arial"/>
+              </a:rPr>
+              <a:t>Dbscan</a:t>
+            </a:r>
+            <a:endParaRPr lang="pt-BR" sz="1600" spc="-1" dirty="0">
+              <a:solidFill>
+                <a:srgbClr val="000000"/>
+              </a:solidFill>
+              <a:latin typeface="Arial"/>
+            </a:endParaRPr>
+          </a:p>
+          <a:p>
+            <a:pPr marL="344160" indent="-285120">
+              <a:lnSpc>
+                <a:spcPct val="90000"/>
+              </a:lnSpc>
+              <a:spcAft>
+                <a:spcPts val="601"/>
+              </a:spcAft>
+              <a:buClr>
+                <a:srgbClr val="000000"/>
+              </a:buClr>
+              <a:buFont typeface="Arial"/>
+              <a:buChar char="•"/>
+              <a:tabLst>
+                <a:tab pos="408240" algn="l"/>
+              </a:tabLst>
+            </a:pPr>
+            <a:endParaRPr lang="pt-BR" sz="1600" spc="-1" dirty="0">
+              <a:solidFill>
+                <a:srgbClr val="000000"/>
+              </a:solidFill>
+              <a:latin typeface="Courier New"/>
+            </a:endParaRPr>
+          </a:p>
+        </p:txBody>
+      </p:sp>
+      <p:sp>
+        <p:nvSpPr>
+          <p:cNvPr id="48" name="CustomShape 2"/>
+          <p:cNvSpPr/>
+          <p:nvPr/>
+        </p:nvSpPr>
+        <p:spPr>
+          <a:xfrm>
+            <a:off x="0" y="210240"/>
+            <a:ext cx="10078920" cy="461160"/>
+          </a:xfrm>
+          <a:prstGeom prst="rect">
+            <a:avLst/>
+          </a:prstGeom>
+          <a:noFill/>
+          <a:ln w="0">
+            <a:noFill/>
+          </a:ln>
+        </p:spPr>
+        <p:style>
+          <a:lnRef idx="0">
+            <a:scrgbClr r="0" g="0" b="0"/>
+          </a:lnRef>
+          <a:fillRef idx="0">
+            <a:scrgbClr r="0" g="0" b="0"/>
+          </a:fillRef>
+          <a:effectRef idx="0">
+            <a:scrgbClr r="0" g="0" b="0"/>
+          </a:effectRef>
+          <a:fontRef idx="minor"/>
+        </p:style>
+        <p:txBody>
+          <a:bodyPr lIns="90000" tIns="45000" rIns="90000" bIns="45000">
+            <a:noAutofit/>
+          </a:bodyPr>
+          <a:lstStyle/>
+          <a:p>
+            <a:pPr algn="ctr">
+              <a:lnSpc>
+                <a:spcPct val="90000"/>
+              </a:lnSpc>
+              <a:spcAft>
+                <a:spcPts val="601"/>
+              </a:spcAft>
+            </a:pPr>
+            <a:r>
+              <a:rPr lang="pt-BR" sz="2800" b="1" strike="noStrike" spc="-1" dirty="0">
+                <a:solidFill>
+                  <a:srgbClr val="000000"/>
+                </a:solidFill>
+                <a:latin typeface="Arial"/>
+                <a:ea typeface="DejaVu Sans"/>
+              </a:rPr>
+              <a:t>Agrupamentos</a:t>
+            </a:r>
+          </a:p>
+        </p:txBody>
+      </p:sp>
+    </p:spTree>
+    <p:extLst>
+      <p:ext uri="{BB962C8B-B14F-4D97-AF65-F5344CB8AC3E}">
+        <p14:creationId xmlns:p14="http://schemas.microsoft.com/office/powerpoint/2010/main" val="704418410"/>
+      </p:ext>
+    </p:extLst>
+  </p:cSld>
+  <p:clrMapOvr>
+    <a:masterClrMapping/>
+  </p:clrMapOvr>
+</p:sld>
+</file>
+
+<file path=ppt/slides/slide7.xml><?xml version="1.0" encoding="utf-8"?>
+<p:sld xmlns:a="http://schemas.openxmlformats.org/drawingml/2006/main" xmlns:r="http://schemas.openxmlformats.org/officeDocument/2006/relationships" xmlns:p="http://schemas.openxmlformats.org/presentationml/2006/main">
+  <p:cSld>
+    <p:spTree>
+      <p:nvGrpSpPr>
+        <p:cNvPr id="1" name=""/>
+        <p:cNvGrpSpPr/>
+        <p:nvPr/>
+      </p:nvGrpSpPr>
+      <p:grpSpPr>
+        <a:xfrm>
+          <a:off x="0" y="0"/>
+          <a:ext cx="0" cy="0"/>
+          <a:chOff x="0" y="0"/>
+          <a:chExt cx="0" cy="0"/>
+        </a:xfrm>
+      </p:grpSpPr>
+      <p:sp>
+        <p:nvSpPr>
           <p:cNvPr id="217" name="CustomShape 1"/>
           <p:cNvSpPr/>
           <p:nvPr/>
@@ -4177,7 +5443,7 @@
 </p:sld>
 </file>
 
-<file path=ppt/slides/slide5.xml><?xml version="1.0" encoding="utf-8"?>
+<file path=ppt/slides/slide8.xml><?xml version="1.0" encoding="utf-8"?>
 <p:sld xmlns:a="http://schemas.openxmlformats.org/drawingml/2006/main" xmlns:r="http://schemas.openxmlformats.org/officeDocument/2006/relationships" xmlns:p="http://schemas.openxmlformats.org/presentationml/2006/main">
   <p:cSld>
     <p:spTree>

--- a/Trabalho_4/Trabalho 4  Mineração_de_Dados.pptx
+++ b/Trabalho_4/Trabalho 4  Mineração_de_Dados.pptx
@@ -5,17 +5,18 @@
     <p:sldMasterId id="2147483648" r:id="rId1"/>
   </p:sldMasterIdLst>
   <p:notesMasterIdLst>
-    <p:notesMasterId r:id="rId10"/>
+    <p:notesMasterId r:id="rId11"/>
   </p:notesMasterIdLst>
   <p:sldIdLst>
     <p:sldId id="256" r:id="rId2"/>
     <p:sldId id="257" r:id="rId3"/>
     <p:sldId id="292" r:id="rId4"/>
-    <p:sldId id="295" r:id="rId5"/>
-    <p:sldId id="294" r:id="rId6"/>
-    <p:sldId id="293" r:id="rId7"/>
-    <p:sldId id="290" r:id="rId8"/>
-    <p:sldId id="291" r:id="rId9"/>
+    <p:sldId id="297" r:id="rId5"/>
+    <p:sldId id="295" r:id="rId6"/>
+    <p:sldId id="296" r:id="rId7"/>
+    <p:sldId id="293" r:id="rId8"/>
+    <p:sldId id="290" r:id="rId9"/>
+    <p:sldId id="291" r:id="rId10"/>
   </p:sldIdLst>
   <p:sldSz cx="10080625" cy="5670550"/>
   <p:notesSz cx="7559675" cy="10691813"/>
@@ -704,7 +705,7 @@
               <a:rPr lang="en-US" sz="1200" b="0" strike="noStrike" spc="-1">
                 <a:latin typeface="Times New Roman"/>
               </a:rPr>
-              <a:t>8</a:t>
+              <a:t>9</a:t>
             </a:fld>
             <a:endParaRPr lang="pt-BR" sz="1200" b="0" strike="noStrike" spc="-1">
               <a:latin typeface="Arial"/>
@@ -3195,7 +3196,25 @@
                 </a:solidFill>
                 <a:latin typeface="Arial"/>
               </a:rPr>
-              <a:t>Ordem – valor identificador, sem valor para agrupamento</a:t>
+              <a:t>Ordem e </a:t>
+            </a:r>
+            <a:r>
+              <a:rPr lang="pt-BR" sz="1600" spc="-1" dirty="0" err="1">
+                <a:solidFill>
+                  <a:srgbClr val="000000"/>
+                </a:solidFill>
+                <a:latin typeface="Arial"/>
+              </a:rPr>
+              <a:t>Cod</a:t>
+            </a:r>
+            <a:r>
+              <a:rPr lang="pt-BR" sz="1600" spc="-1" dirty="0">
+                <a:solidFill>
+                  <a:srgbClr val="000000"/>
+                </a:solidFill>
+                <a:latin typeface="Arial"/>
+              </a:rPr>
+              <a:t> – valores identificadores, sem valor para agrupamento</a:t>
             </a:r>
           </a:p>
           <a:p>
@@ -3299,31 +3318,6 @@
                 </a:solidFill>
                 <a:latin typeface="Courier New"/>
               </a:rPr>
-              <a:t>data[is.na(data)] &lt;- 0</a:t>
-            </a:r>
-          </a:p>
-          <a:p>
-            <a:pPr marL="516240" lvl="1">
-              <a:lnSpc>
-                <a:spcPct val="90000"/>
-              </a:lnSpc>
-              <a:spcAft>
-                <a:spcPts val="601"/>
-              </a:spcAft>
-              <a:buClr>
-                <a:srgbClr val="000000"/>
-              </a:buClr>
-              <a:tabLst>
-                <a:tab pos="408240" algn="l"/>
-              </a:tabLst>
-            </a:pPr>
-            <a:r>
-              <a:rPr lang="it-IT" sz="1600" spc="-1" dirty="0">
-                <a:solidFill>
-                  <a:srgbClr val="000000"/>
-                </a:solidFill>
-                <a:latin typeface="Courier New"/>
-              </a:rPr>
               <a:t>data &lt;- na.omit(data)</a:t>
             </a:r>
             <a:endParaRPr lang="pt-BR" sz="1600" spc="-1" dirty="0">
@@ -3391,57 +3385,7 @@
                 </a:solidFill>
                 <a:latin typeface="Courier New"/>
               </a:rPr>
-              <a:t>norm &lt;- zscore()</a:t>
-            </a:r>
-          </a:p>
-          <a:p>
-            <a:pPr marL="516240" lvl="1">
-              <a:lnSpc>
-                <a:spcPct val="90000"/>
-              </a:lnSpc>
-              <a:spcAft>
-                <a:spcPts val="601"/>
-              </a:spcAft>
-              <a:buClr>
-                <a:srgbClr val="000000"/>
-              </a:buClr>
-              <a:tabLst>
-                <a:tab pos="408240" algn="l"/>
-              </a:tabLst>
-            </a:pPr>
-            <a:r>
-              <a:rPr lang="nl-NL" sz="1600" spc="-1" dirty="0">
-                <a:solidFill>
-                  <a:srgbClr val="000000"/>
-                </a:solidFill>
-                <a:latin typeface="Courier New"/>
-              </a:rPr>
-              <a:t>norm &lt;- fit(norm, data)</a:t>
-            </a:r>
-          </a:p>
-          <a:p>
-            <a:pPr marL="516240" lvl="1">
-              <a:lnSpc>
-                <a:spcPct val="90000"/>
-              </a:lnSpc>
-              <a:spcAft>
-                <a:spcPts val="601"/>
-              </a:spcAft>
-              <a:buClr>
-                <a:srgbClr val="000000"/>
-              </a:buClr>
-              <a:tabLst>
-                <a:tab pos="408240" algn="l"/>
-              </a:tabLst>
-            </a:pPr>
-            <a:r>
-              <a:rPr lang="nl-NL" sz="1600" spc="-1" dirty="0">
-                <a:solidFill>
-                  <a:srgbClr val="000000"/>
-                </a:solidFill>
-                <a:latin typeface="Courier New"/>
-              </a:rPr>
-              <a:t>data &lt;- transform(norm, data)</a:t>
+              <a:t>data &lt;- scale(data)</a:t>
             </a:r>
             <a:endParaRPr lang="pt-BR" sz="1600" spc="-1" dirty="0">
               <a:solidFill>
@@ -3781,7 +3725,7 @@
                 <a:latin typeface="Arial"/>
                 <a:ea typeface="DejaVu Sans"/>
               </a:rPr>
-              <a:t>Agrupamentos</a:t>
+              <a:t>Entropia</a:t>
             </a:r>
           </a:p>
         </p:txBody>
@@ -3818,68 +3762,6 @@
       </p:grpSpPr>
       <p:sp>
         <p:nvSpPr>
-          <p:cNvPr id="47" name="CustomShape 1"/>
-          <p:cNvSpPr/>
-          <p:nvPr/>
-        </p:nvSpPr>
-        <p:spPr>
-          <a:xfrm>
-            <a:off x="720000" y="1015214"/>
-            <a:ext cx="8638560" cy="4022150"/>
-          </a:xfrm>
-          <a:prstGeom prst="rect">
-            <a:avLst/>
-          </a:prstGeom>
-          <a:noFill/>
-          <a:ln w="0">
-            <a:noFill/>
-          </a:ln>
-        </p:spPr>
-        <p:style>
-          <a:lnRef idx="0">
-            <a:scrgbClr r="0" g="0" b="0"/>
-          </a:lnRef>
-          <a:fillRef idx="0">
-            <a:scrgbClr r="0" g="0" b="0"/>
-          </a:fillRef>
-          <a:effectRef idx="0">
-            <a:scrgbClr r="0" g="0" b="0"/>
-          </a:effectRef>
-          <a:fontRef idx="minor"/>
-        </p:style>
-        <p:txBody>
-          <a:bodyPr lIns="90000" tIns="45000" rIns="90000" bIns="45000">
-            <a:noAutofit/>
-          </a:bodyPr>
-          <a:lstStyle/>
-          <a:p>
-            <a:pPr marL="344160" indent="-285120">
-              <a:lnSpc>
-                <a:spcPct val="90000"/>
-              </a:lnSpc>
-              <a:spcAft>
-                <a:spcPts val="601"/>
-              </a:spcAft>
-              <a:buClr>
-                <a:srgbClr val="000000"/>
-              </a:buClr>
-              <a:buFont typeface="Arial"/>
-              <a:buChar char="•"/>
-              <a:tabLst>
-                <a:tab pos="408240" algn="l"/>
-              </a:tabLst>
-            </a:pPr>
-            <a:endParaRPr lang="pt-BR" sz="1600" spc="-1" dirty="0">
-              <a:solidFill>
-                <a:srgbClr val="000000"/>
-              </a:solidFill>
-              <a:latin typeface="Courier New"/>
-            </a:endParaRPr>
-          </a:p>
-        </p:txBody>
-      </p:sp>
-      <p:sp>
-        <p:nvSpPr>
           <p:cNvPr id="48" name="CustomShape 2"/>
           <p:cNvSpPr/>
           <p:nvPr/>
@@ -3931,34 +3813,17 @@
                 <a:latin typeface="Arial"/>
                 <a:ea typeface="DejaVu Sans"/>
               </a:rPr>
-              <a:t>K-</a:t>
-            </a:r>
-            <a:r>
-              <a:rPr lang="pt-BR" sz="2800" b="1" strike="noStrike" spc="-1" dirty="0" err="1">
-                <a:solidFill>
-                  <a:srgbClr val="000000"/>
-                </a:solidFill>
-                <a:latin typeface="Arial"/>
-                <a:ea typeface="DejaVu Sans"/>
-              </a:rPr>
-              <a:t>means</a:t>
-            </a:r>
-            <a:endParaRPr lang="pt-BR" sz="2800" b="1" strike="noStrike" spc="-1" dirty="0">
-              <a:solidFill>
-                <a:srgbClr val="000000"/>
-              </a:solidFill>
-              <a:latin typeface="Arial"/>
-              <a:ea typeface="DejaVu Sans"/>
-            </a:endParaRPr>
+              <a:t>Remove outliers</a:t>
+            </a:r>
           </a:p>
         </p:txBody>
       </p:sp>
       <p:pic>
         <p:nvPicPr>
-          <p:cNvPr id="2" name="Imagem 1">
+          <p:cNvPr id="3" name="Imagem 2">
             <a:extLst>
               <a:ext uri="{FF2B5EF4-FFF2-40B4-BE49-F238E27FC236}">
-                <a16:creationId xmlns:a16="http://schemas.microsoft.com/office/drawing/2014/main" id="{1858908B-D2CE-F56C-E407-FDC64CA5F8AC}"/>
+                <a16:creationId xmlns:a16="http://schemas.microsoft.com/office/drawing/2014/main" id="{751E9CD1-0BE0-AA52-56AB-FD256CA70140}"/>
               </a:ext>
             </a:extLst>
           </p:cNvPr>
@@ -3967,236 +3832,27 @@
           </p:cNvPicPr>
           <p:nvPr/>
         </p:nvPicPr>
-        <p:blipFill>
+        <p:blipFill rotWithShape="1">
           <a:blip r:embed="rId2"/>
-          <a:stretch>
-            <a:fillRect/>
-          </a:stretch>
+          <a:srcRect l="2559" t="9195" b="4553"/>
+          <a:stretch/>
         </p:blipFill>
         <p:spPr>
           <a:xfrm>
-            <a:off x="36446" y="1508065"/>
-            <a:ext cx="5745978" cy="3977985"/>
+            <a:off x="32658" y="671400"/>
+            <a:ext cx="5058966" cy="3600000"/>
           </a:xfrm>
           <a:prstGeom prst="rect">
             <a:avLst/>
           </a:prstGeom>
         </p:spPr>
       </p:pic>
-      <p:sp>
-        <p:nvSpPr>
-          <p:cNvPr id="3" name="CustomShape 1">
+      <p:pic>
+        <p:nvPicPr>
+          <p:cNvPr id="5" name="Imagem 4">
             <a:extLst>
               <a:ext uri="{FF2B5EF4-FFF2-40B4-BE49-F238E27FC236}">
-                <a16:creationId xmlns:a16="http://schemas.microsoft.com/office/drawing/2014/main" id="{6126066F-AE0B-45DF-4EB2-4FA741D2DEA7}"/>
-              </a:ext>
-            </a:extLst>
-          </p:cNvPr>
-          <p:cNvSpPr/>
-          <p:nvPr/>
-        </p:nvSpPr>
-        <p:spPr>
-          <a:xfrm>
-            <a:off x="1468394" y="1592157"/>
-            <a:ext cx="2474957" cy="285629"/>
-          </a:xfrm>
-          <a:prstGeom prst="rect">
-            <a:avLst/>
-          </a:prstGeom>
-          <a:noFill/>
-          <a:ln w="0">
-            <a:noFill/>
-          </a:ln>
-        </p:spPr>
-        <p:style>
-          <a:lnRef idx="0">
-            <a:scrgbClr r="0" g="0" b="0"/>
-          </a:lnRef>
-          <a:fillRef idx="0">
-            <a:scrgbClr r="0" g="0" b="0"/>
-          </a:fillRef>
-          <a:effectRef idx="0">
-            <a:scrgbClr r="0" g="0" b="0"/>
-          </a:effectRef>
-          <a:fontRef idx="minor"/>
-        </p:style>
-        <p:txBody>
-          <a:bodyPr lIns="90000" tIns="45000" rIns="90000" bIns="45000">
-            <a:noAutofit/>
-          </a:bodyPr>
-          <a:lstStyle/>
-          <a:p>
-            <a:pPr marL="59040">
-              <a:lnSpc>
-                <a:spcPct val="90000"/>
-              </a:lnSpc>
-              <a:spcAft>
-                <a:spcPts val="601"/>
-              </a:spcAft>
-              <a:buClr>
-                <a:srgbClr val="000000"/>
-              </a:buClr>
-              <a:tabLst>
-                <a:tab pos="408240" algn="l"/>
-              </a:tabLst>
-            </a:pPr>
-            <a:r>
-              <a:rPr lang="pt-BR" sz="1600" b="1" spc="-1" dirty="0">
-                <a:solidFill>
-                  <a:srgbClr val="000000"/>
-                </a:solidFill>
-                <a:latin typeface="Arial"/>
-              </a:rPr>
-              <a:t>Tamanho ótimo de K</a:t>
-            </a:r>
-          </a:p>
-          <a:p>
-            <a:pPr marL="344160" indent="-285120">
-              <a:lnSpc>
-                <a:spcPct val="90000"/>
-              </a:lnSpc>
-              <a:spcAft>
-                <a:spcPts val="601"/>
-              </a:spcAft>
-              <a:buClr>
-                <a:srgbClr val="000000"/>
-              </a:buClr>
-              <a:buFont typeface="Arial"/>
-              <a:buChar char="•"/>
-              <a:tabLst>
-                <a:tab pos="408240" algn="l"/>
-              </a:tabLst>
-            </a:pPr>
-            <a:endParaRPr lang="pt-BR" sz="1600" b="1" spc="-1" dirty="0">
-              <a:solidFill>
-                <a:srgbClr val="000000"/>
-              </a:solidFill>
-              <a:latin typeface="Courier New"/>
-            </a:endParaRPr>
-          </a:p>
-        </p:txBody>
-      </p:sp>
-      <p:sp>
-        <p:nvSpPr>
-          <p:cNvPr id="4" name="CustomShape 1">
-            <a:extLst>
-              <a:ext uri="{FF2B5EF4-FFF2-40B4-BE49-F238E27FC236}">
-                <a16:creationId xmlns:a16="http://schemas.microsoft.com/office/drawing/2014/main" id="{6934491E-E9A7-6275-F89B-9E2815171C55}"/>
-              </a:ext>
-            </a:extLst>
-          </p:cNvPr>
-          <p:cNvSpPr/>
-          <p:nvPr/>
-        </p:nvSpPr>
-        <p:spPr>
-          <a:xfrm>
-            <a:off x="6078494" y="1592156"/>
-            <a:ext cx="2474957" cy="285629"/>
-          </a:xfrm>
-          <a:prstGeom prst="rect">
-            <a:avLst/>
-          </a:prstGeom>
-          <a:noFill/>
-          <a:ln w="0">
-            <a:noFill/>
-          </a:ln>
-        </p:spPr>
-        <p:style>
-          <a:lnRef idx="0">
-            <a:scrgbClr r="0" g="0" b="0"/>
-          </a:lnRef>
-          <a:fillRef idx="0">
-            <a:scrgbClr r="0" g="0" b="0"/>
-          </a:fillRef>
-          <a:effectRef idx="0">
-            <a:scrgbClr r="0" g="0" b="0"/>
-          </a:effectRef>
-          <a:fontRef idx="minor"/>
-        </p:style>
-        <p:txBody>
-          <a:bodyPr lIns="90000" tIns="45000" rIns="90000" bIns="45000">
-            <a:noAutofit/>
-          </a:bodyPr>
-          <a:lstStyle/>
-          <a:p>
-            <a:pPr marL="59040">
-              <a:lnSpc>
-                <a:spcPct val="90000"/>
-              </a:lnSpc>
-              <a:spcAft>
-                <a:spcPts val="601"/>
-              </a:spcAft>
-              <a:buClr>
-                <a:srgbClr val="000000"/>
-              </a:buClr>
-              <a:tabLst>
-                <a:tab pos="408240" algn="l"/>
-              </a:tabLst>
-            </a:pPr>
-            <a:r>
-              <a:rPr lang="pt-BR" sz="1600" b="1" spc="-1" dirty="0">
-                <a:solidFill>
-                  <a:srgbClr val="000000"/>
-                </a:solidFill>
-                <a:latin typeface="Arial"/>
-              </a:rPr>
-              <a:t>Execução de K = 4</a:t>
-            </a:r>
-          </a:p>
-          <a:p>
-            <a:pPr marL="59040">
-              <a:lnSpc>
-                <a:spcPct val="90000"/>
-              </a:lnSpc>
-              <a:spcAft>
-                <a:spcPts val="601"/>
-              </a:spcAft>
-              <a:buClr>
-                <a:srgbClr val="000000"/>
-              </a:buClr>
-              <a:tabLst>
-                <a:tab pos="408240" algn="l"/>
-              </a:tabLst>
-            </a:pPr>
-            <a:endParaRPr lang="pt-BR" sz="1600" spc="-1" dirty="0">
-              <a:solidFill>
-                <a:srgbClr val="000000"/>
-              </a:solidFill>
-              <a:latin typeface="Arial"/>
-            </a:endParaRPr>
-          </a:p>
-          <a:p>
-            <a:pPr marL="344160" indent="-285120">
-              <a:lnSpc>
-                <a:spcPct val="90000"/>
-              </a:lnSpc>
-              <a:spcAft>
-                <a:spcPts val="601"/>
-              </a:spcAft>
-              <a:buClr>
-                <a:srgbClr val="000000"/>
-              </a:buClr>
-              <a:buFont typeface="Arial"/>
-              <a:buChar char="•"/>
-              <a:tabLst>
-                <a:tab pos="408240" algn="l"/>
-              </a:tabLst>
-            </a:pPr>
-            <a:endParaRPr lang="pt-BR" sz="1600" b="1" spc="-1" dirty="0">
-              <a:solidFill>
-                <a:srgbClr val="000000"/>
-              </a:solidFill>
-              <a:latin typeface="Courier New"/>
-            </a:endParaRPr>
-          </a:p>
-        </p:txBody>
-      </p:sp>
-      <p:pic>
-        <p:nvPicPr>
-          <p:cNvPr id="6" name="Imagem 5">
-            <a:extLst>
-              <a:ext uri="{FF2B5EF4-FFF2-40B4-BE49-F238E27FC236}">
-                <a16:creationId xmlns:a16="http://schemas.microsoft.com/office/drawing/2014/main" id="{2F6BE1B0-9E97-AA3A-C618-62D359ABE39D}"/>
+                <a16:creationId xmlns:a16="http://schemas.microsoft.com/office/drawing/2014/main" id="{4B82DE10-6F0B-81AA-73A6-C570DE8DC4C1}"/>
               </a:ext>
             </a:extLst>
           </p:cNvPr>
@@ -4207,13 +3863,13 @@
         </p:nvPicPr>
         <p:blipFill rotWithShape="1">
           <a:blip r:embed="rId3"/>
-          <a:srcRect r="9658"/>
+          <a:srcRect l="4002" t="10931" r="3836" b="7544"/>
           <a:stretch/>
         </p:blipFill>
         <p:spPr>
           <a:xfrm>
-            <a:off x="4875466" y="2253290"/>
-            <a:ext cx="5205159" cy="1078316"/>
+            <a:off x="5018287" y="2005582"/>
+            <a:ext cx="5062338" cy="3600000"/>
           </a:xfrm>
           <a:prstGeom prst="rect">
             <a:avLst/>
@@ -4223,7 +3879,7 @@
     </p:spTree>
     <p:extLst>
       <p:ext uri="{BB962C8B-B14F-4D97-AF65-F5344CB8AC3E}">
-        <p14:creationId xmlns:p14="http://schemas.microsoft.com/office/powerpoint/2010/main" val="963936021"/>
+        <p14:creationId xmlns:p14="http://schemas.microsoft.com/office/powerpoint/2010/main" val="3981871755"/>
       </p:ext>
     </p:extLst>
   </p:cSld>
@@ -4358,25 +4014,48 @@
               </a:spcAft>
             </a:pPr>
             <a:r>
-              <a:rPr lang="pt-BR" sz="2800" b="1" spc="-1" dirty="0" err="1">
+              <a:rPr lang="pt-BR" sz="2800" b="1" strike="noStrike" spc="-1" dirty="0">
                 <a:solidFill>
                   <a:srgbClr val="000000"/>
                 </a:solidFill>
                 <a:latin typeface="Arial"/>
                 <a:ea typeface="DejaVu Sans"/>
               </a:rPr>
-              <a:t>Kmedoids</a:t>
-            </a:r>
-            <a:endParaRPr lang="pt-BR" sz="2800" b="1" strike="noStrike" spc="-1" dirty="0">
-              <a:solidFill>
-                <a:srgbClr val="000000"/>
-              </a:solidFill>
-              <a:latin typeface="Arial"/>
-              <a:ea typeface="DejaVu Sans"/>
-            </a:endParaRPr>
-          </a:p>
-        </p:txBody>
-      </p:sp>
+              <a:t>Tamanho ótimo do K</a:t>
+            </a:r>
+          </a:p>
+        </p:txBody>
+      </p:sp>
+      <p:pic>
+        <p:nvPicPr>
+          <p:cNvPr id="2" name="Imagem 1">
+            <a:extLst>
+              <a:ext uri="{FF2B5EF4-FFF2-40B4-BE49-F238E27FC236}">
+                <a16:creationId xmlns:a16="http://schemas.microsoft.com/office/drawing/2014/main" id="{1858908B-D2CE-F56C-E407-FDC64CA5F8AC}"/>
+              </a:ext>
+            </a:extLst>
+          </p:cNvPr>
+          <p:cNvPicPr>
+            <a:picLocks noChangeAspect="1"/>
+          </p:cNvPicPr>
+          <p:nvPr/>
+        </p:nvPicPr>
+        <p:blipFill>
+          <a:blip r:embed="rId2"/>
+          <a:stretch>
+            <a:fillRect/>
+          </a:stretch>
+        </p:blipFill>
+        <p:spPr>
+          <a:xfrm>
+            <a:off x="1790734" y="1108412"/>
+            <a:ext cx="6589756" cy="4562139"/>
+          </a:xfrm>
+          <a:prstGeom prst="rect">
+            <a:avLst/>
+          </a:prstGeom>
+        </p:spPr>
+      </p:pic>
       <p:sp>
         <p:nvSpPr>
           <p:cNvPr id="3" name="CustomShape 1">
@@ -4391,8 +4070,8 @@
         </p:nvSpPr>
         <p:spPr>
           <a:xfrm>
-            <a:off x="1468394" y="1592157"/>
-            <a:ext cx="2474957" cy="285629"/>
+            <a:off x="2106353" y="752656"/>
+            <a:ext cx="6589756" cy="285629"/>
           </a:xfrm>
           <a:prstGeom prst="rect">
             <a:avLst/>
@@ -4441,7 +4120,25 @@
                 </a:solidFill>
                 <a:latin typeface="Arial"/>
               </a:rPr>
-              <a:t>Tamanho ótimo de K</a:t>
+              <a:t>Para execução do K-</a:t>
+            </a:r>
+            <a:r>
+              <a:rPr lang="pt-BR" sz="1600" b="1" spc="-1" dirty="0" err="1">
+                <a:solidFill>
+                  <a:srgbClr val="000000"/>
+                </a:solidFill>
+                <a:latin typeface="Arial"/>
+              </a:rPr>
+              <a:t>means</a:t>
+            </a:r>
+            <a:r>
+              <a:rPr lang="pt-BR" sz="1600" b="1" spc="-1" dirty="0">
+                <a:solidFill>
+                  <a:srgbClr val="000000"/>
+                </a:solidFill>
+                <a:latin typeface="Arial"/>
+              </a:rPr>
+              <a:t>, o tamanho ótimo de K = 4</a:t>
             </a:r>
           </a:p>
           <a:p>
@@ -4470,125 +4167,10 @@
           </a:p>
         </p:txBody>
       </p:sp>
-      <p:sp>
-        <p:nvSpPr>
-          <p:cNvPr id="4" name="CustomShape 1">
-            <a:extLst>
-              <a:ext uri="{FF2B5EF4-FFF2-40B4-BE49-F238E27FC236}">
-                <a16:creationId xmlns:a16="http://schemas.microsoft.com/office/drawing/2014/main" id="{6934491E-E9A7-6275-F89B-9E2815171C55}"/>
-              </a:ext>
-            </a:extLst>
-          </p:cNvPr>
-          <p:cNvSpPr/>
-          <p:nvPr/>
-        </p:nvSpPr>
-        <p:spPr>
-          <a:xfrm>
-            <a:off x="6078494" y="1592156"/>
-            <a:ext cx="2474957" cy="285629"/>
-          </a:xfrm>
-          <a:prstGeom prst="rect">
-            <a:avLst/>
-          </a:prstGeom>
-          <a:noFill/>
-          <a:ln w="0">
-            <a:noFill/>
-          </a:ln>
-        </p:spPr>
-        <p:style>
-          <a:lnRef idx="0">
-            <a:scrgbClr r="0" g="0" b="0"/>
-          </a:lnRef>
-          <a:fillRef idx="0">
-            <a:scrgbClr r="0" g="0" b="0"/>
-          </a:fillRef>
-          <a:effectRef idx="0">
-            <a:scrgbClr r="0" g="0" b="0"/>
-          </a:effectRef>
-          <a:fontRef idx="minor"/>
-        </p:style>
-        <p:txBody>
-          <a:bodyPr lIns="90000" tIns="45000" rIns="90000" bIns="45000">
-            <a:noAutofit/>
-          </a:bodyPr>
-          <a:lstStyle/>
-          <a:p>
-            <a:pPr marL="59040">
-              <a:lnSpc>
-                <a:spcPct val="90000"/>
-              </a:lnSpc>
-              <a:spcAft>
-                <a:spcPts val="601"/>
-              </a:spcAft>
-              <a:buClr>
-                <a:srgbClr val="000000"/>
-              </a:buClr>
-              <a:tabLst>
-                <a:tab pos="408240" algn="l"/>
-              </a:tabLst>
-            </a:pPr>
-            <a:r>
-              <a:rPr lang="pt-BR" sz="1600" b="1" spc="-1" dirty="0">
-                <a:solidFill>
-                  <a:srgbClr val="000000"/>
-                </a:solidFill>
-                <a:latin typeface="Arial"/>
-              </a:rPr>
-              <a:t>Execução de K = 4</a:t>
-            </a:r>
-          </a:p>
-          <a:p>
-            <a:pPr marL="59040">
-              <a:lnSpc>
-                <a:spcPct val="90000"/>
-              </a:lnSpc>
-              <a:spcAft>
-                <a:spcPts val="601"/>
-              </a:spcAft>
-              <a:buClr>
-                <a:srgbClr val="000000"/>
-              </a:buClr>
-              <a:tabLst>
-                <a:tab pos="408240" algn="l"/>
-              </a:tabLst>
-            </a:pPr>
-            <a:endParaRPr lang="pt-BR" sz="1600" spc="-1" dirty="0">
-              <a:solidFill>
-                <a:srgbClr val="000000"/>
-              </a:solidFill>
-              <a:latin typeface="Arial"/>
-            </a:endParaRPr>
-          </a:p>
-          <a:p>
-            <a:pPr marL="344160" indent="-285120">
-              <a:lnSpc>
-                <a:spcPct val="90000"/>
-              </a:lnSpc>
-              <a:spcAft>
-                <a:spcPts val="601"/>
-              </a:spcAft>
-              <a:buClr>
-                <a:srgbClr val="000000"/>
-              </a:buClr>
-              <a:buFont typeface="Arial"/>
-              <a:buChar char="•"/>
-              <a:tabLst>
-                <a:tab pos="408240" algn="l"/>
-              </a:tabLst>
-            </a:pPr>
-            <a:endParaRPr lang="pt-BR" sz="1600" b="1" spc="-1" dirty="0">
-              <a:solidFill>
-                <a:srgbClr val="000000"/>
-              </a:solidFill>
-              <a:latin typeface="Courier New"/>
-            </a:endParaRPr>
-          </a:p>
-        </p:txBody>
-      </p:sp>
     </p:spTree>
     <p:extLst>
       <p:ext uri="{BB962C8B-B14F-4D97-AF65-F5344CB8AC3E}">
-        <p14:creationId xmlns:p14="http://schemas.microsoft.com/office/powerpoint/2010/main" val="3394940093"/>
+        <p14:creationId xmlns:p14="http://schemas.microsoft.com/office/powerpoint/2010/main" val="963936021"/>
       </p:ext>
     </p:extLst>
   </p:cSld>
@@ -4668,345 +4250,6 @@
                 <a:tab pos="408240" algn="l"/>
               </a:tabLst>
             </a:pPr>
-            <a:r>
-              <a:rPr lang="pt-BR" sz="1600" spc="-1" dirty="0">
-                <a:solidFill>
-                  <a:srgbClr val="000000"/>
-                </a:solidFill>
-                <a:latin typeface="Arial"/>
-              </a:rPr>
-              <a:t>Avaliação da entropia:</a:t>
-            </a:r>
-          </a:p>
-          <a:p>
-            <a:pPr marL="344160" indent="-285120">
-              <a:lnSpc>
-                <a:spcPct val="90000"/>
-              </a:lnSpc>
-              <a:spcAft>
-                <a:spcPts val="601"/>
-              </a:spcAft>
-              <a:buClr>
-                <a:srgbClr val="000000"/>
-              </a:buClr>
-              <a:buFont typeface="Arial"/>
-              <a:buChar char="•"/>
-              <a:tabLst>
-                <a:tab pos="408240" algn="l"/>
-              </a:tabLst>
-            </a:pPr>
-            <a:r>
-              <a:rPr lang="en-US" sz="1600" spc="-1" dirty="0">
-                <a:solidFill>
-                  <a:srgbClr val="000000"/>
-                </a:solidFill>
-                <a:latin typeface="Arial"/>
-              </a:rPr>
-              <a:t>eval &lt;- </a:t>
-            </a:r>
-            <a:r>
-              <a:rPr lang="en-US" sz="1600" spc="-1" dirty="0" err="1">
-                <a:solidFill>
-                  <a:srgbClr val="000000"/>
-                </a:solidFill>
-                <a:latin typeface="Arial"/>
-              </a:rPr>
-              <a:t>cluster_evaluation</a:t>
-            </a:r>
-            <a:r>
-              <a:rPr lang="en-US" sz="1600" spc="-1" dirty="0">
-                <a:solidFill>
-                  <a:srgbClr val="000000"/>
-                </a:solidFill>
-                <a:latin typeface="Arial"/>
-              </a:rPr>
-              <a:t>(rep(1, </a:t>
-            </a:r>
-            <a:r>
-              <a:rPr lang="en-US" sz="1600" spc="-1" dirty="0" err="1">
-                <a:solidFill>
-                  <a:srgbClr val="000000"/>
-                </a:solidFill>
-                <a:latin typeface="Arial"/>
-              </a:rPr>
-              <a:t>nrow</a:t>
-            </a:r>
-            <a:r>
-              <a:rPr lang="en-US" sz="1600" spc="-1" dirty="0">
-                <a:solidFill>
-                  <a:srgbClr val="000000"/>
-                </a:solidFill>
-                <a:latin typeface="Arial"/>
-              </a:rPr>
-              <a:t>(data)), </a:t>
-            </a:r>
-            <a:r>
-              <a:rPr lang="en-US" sz="1600" spc="-1" dirty="0" err="1">
-                <a:solidFill>
-                  <a:srgbClr val="000000"/>
-                </a:solidFill>
-                <a:latin typeface="Arial"/>
-              </a:rPr>
-              <a:t>data$cod</a:t>
-            </a:r>
-            <a:r>
-              <a:rPr lang="en-US" sz="1600" spc="-1" dirty="0">
-                <a:solidFill>
-                  <a:srgbClr val="000000"/>
-                </a:solidFill>
-                <a:latin typeface="Arial"/>
-              </a:rPr>
-              <a:t>)</a:t>
-            </a:r>
-          </a:p>
-          <a:p>
-            <a:pPr marL="344160" indent="-285120">
-              <a:lnSpc>
-                <a:spcPct val="90000"/>
-              </a:lnSpc>
-              <a:spcAft>
-                <a:spcPts val="601"/>
-              </a:spcAft>
-              <a:buClr>
-                <a:srgbClr val="000000"/>
-              </a:buClr>
-              <a:buFont typeface="Arial"/>
-              <a:buChar char="•"/>
-              <a:tabLst>
-                <a:tab pos="408240" algn="l"/>
-              </a:tabLst>
-            </a:pPr>
-            <a:r>
-              <a:rPr lang="en-US" sz="1600" spc="-1" dirty="0">
-                <a:solidFill>
-                  <a:srgbClr val="000000"/>
-                </a:solidFill>
-                <a:latin typeface="Arial"/>
-              </a:rPr>
-              <a:t>print(</a:t>
-            </a:r>
-            <a:r>
-              <a:rPr lang="en-US" sz="1600" spc="-1" dirty="0" err="1">
-                <a:solidFill>
-                  <a:srgbClr val="000000"/>
-                </a:solidFill>
-                <a:latin typeface="Arial"/>
-              </a:rPr>
-              <a:t>eval$entropy</a:t>
-            </a:r>
-            <a:r>
-              <a:rPr lang="en-US" sz="1600" spc="-1" dirty="0">
-                <a:solidFill>
-                  <a:srgbClr val="000000"/>
-                </a:solidFill>
-                <a:latin typeface="Arial"/>
-              </a:rPr>
-              <a:t>)</a:t>
-            </a:r>
-            <a:endParaRPr lang="pt-BR" sz="1600" spc="-1" dirty="0">
-              <a:solidFill>
-                <a:srgbClr val="000000"/>
-              </a:solidFill>
-              <a:latin typeface="Arial"/>
-            </a:endParaRPr>
-          </a:p>
-          <a:p>
-            <a:pPr marL="344160" indent="-285120">
-              <a:lnSpc>
-                <a:spcPct val="90000"/>
-              </a:lnSpc>
-              <a:spcAft>
-                <a:spcPts val="601"/>
-              </a:spcAft>
-              <a:buClr>
-                <a:srgbClr val="000000"/>
-              </a:buClr>
-              <a:buFont typeface="Arial"/>
-              <a:buChar char="•"/>
-              <a:tabLst>
-                <a:tab pos="408240" algn="l"/>
-              </a:tabLst>
-            </a:pPr>
-            <a:endParaRPr lang="pt-BR" sz="1600" spc="-1" dirty="0">
-              <a:solidFill>
-                <a:srgbClr val="000000"/>
-              </a:solidFill>
-              <a:latin typeface="Arial"/>
-            </a:endParaRPr>
-          </a:p>
-          <a:p>
-            <a:pPr marL="344160" indent="-285120">
-              <a:lnSpc>
-                <a:spcPct val="90000"/>
-              </a:lnSpc>
-              <a:spcAft>
-                <a:spcPts val="601"/>
-              </a:spcAft>
-              <a:buClr>
-                <a:srgbClr val="000000"/>
-              </a:buClr>
-              <a:buFont typeface="Arial"/>
-              <a:buChar char="•"/>
-              <a:tabLst>
-                <a:tab pos="408240" algn="l"/>
-              </a:tabLst>
-            </a:pPr>
-            <a:r>
-              <a:rPr lang="pt-BR" sz="1600" spc="-1" dirty="0">
-                <a:solidFill>
-                  <a:srgbClr val="000000"/>
-                </a:solidFill>
-                <a:latin typeface="Arial"/>
-              </a:rPr>
-              <a:t>K-</a:t>
-            </a:r>
-            <a:r>
-              <a:rPr lang="pt-BR" sz="1600" spc="-1" dirty="0" err="1">
-                <a:solidFill>
-                  <a:srgbClr val="000000"/>
-                </a:solidFill>
-                <a:latin typeface="Arial"/>
-              </a:rPr>
-              <a:t>means</a:t>
-            </a:r>
-            <a:endParaRPr lang="pt-BR" sz="1600" spc="-1" dirty="0">
-              <a:solidFill>
-                <a:srgbClr val="000000"/>
-              </a:solidFill>
-              <a:latin typeface="Arial"/>
-            </a:endParaRPr>
-          </a:p>
-          <a:p>
-            <a:pPr marL="344160" indent="-285120">
-              <a:lnSpc>
-                <a:spcPct val="90000"/>
-              </a:lnSpc>
-              <a:spcAft>
-                <a:spcPts val="601"/>
-              </a:spcAft>
-              <a:buClr>
-                <a:srgbClr val="000000"/>
-              </a:buClr>
-              <a:buFont typeface="Arial"/>
-              <a:buChar char="•"/>
-              <a:tabLst>
-                <a:tab pos="408240" algn="l"/>
-              </a:tabLst>
-            </a:pPr>
-            <a:endParaRPr lang="pt-BR" sz="1600" spc="-1" dirty="0">
-              <a:solidFill>
-                <a:srgbClr val="000000"/>
-              </a:solidFill>
-              <a:latin typeface="Arial"/>
-            </a:endParaRPr>
-          </a:p>
-          <a:p>
-            <a:pPr marL="344160" indent="-285120">
-              <a:lnSpc>
-                <a:spcPct val="90000"/>
-              </a:lnSpc>
-              <a:spcAft>
-                <a:spcPts val="601"/>
-              </a:spcAft>
-              <a:buClr>
-                <a:srgbClr val="000000"/>
-              </a:buClr>
-              <a:buFont typeface="Arial"/>
-              <a:buChar char="•"/>
-              <a:tabLst>
-                <a:tab pos="408240" algn="l"/>
-              </a:tabLst>
-            </a:pPr>
-            <a:r>
-              <a:rPr lang="pt-BR" sz="1600" spc="-1" dirty="0" err="1">
-                <a:solidFill>
-                  <a:srgbClr val="000000"/>
-                </a:solidFill>
-                <a:latin typeface="Arial"/>
-              </a:rPr>
-              <a:t>Kmedoid</a:t>
-            </a:r>
-            <a:endParaRPr lang="pt-BR" sz="1600" spc="-1" dirty="0">
-              <a:solidFill>
-                <a:srgbClr val="000000"/>
-              </a:solidFill>
-              <a:latin typeface="Arial"/>
-            </a:endParaRPr>
-          </a:p>
-          <a:p>
-            <a:pPr marL="344160" indent="-285120">
-              <a:lnSpc>
-                <a:spcPct val="90000"/>
-              </a:lnSpc>
-              <a:spcAft>
-                <a:spcPts val="601"/>
-              </a:spcAft>
-              <a:buClr>
-                <a:srgbClr val="000000"/>
-              </a:buClr>
-              <a:buFont typeface="Arial"/>
-              <a:buChar char="•"/>
-              <a:tabLst>
-                <a:tab pos="408240" algn="l"/>
-              </a:tabLst>
-            </a:pPr>
-            <a:endParaRPr lang="pt-BR" sz="1600" spc="-1" dirty="0">
-              <a:solidFill>
-                <a:srgbClr val="000000"/>
-              </a:solidFill>
-              <a:latin typeface="Arial"/>
-            </a:endParaRPr>
-          </a:p>
-          <a:p>
-            <a:pPr marL="344160" indent="-285120">
-              <a:lnSpc>
-                <a:spcPct val="90000"/>
-              </a:lnSpc>
-              <a:spcAft>
-                <a:spcPts val="601"/>
-              </a:spcAft>
-              <a:buClr>
-                <a:srgbClr val="000000"/>
-              </a:buClr>
-              <a:buFont typeface="Arial"/>
-              <a:buChar char="•"/>
-              <a:tabLst>
-                <a:tab pos="408240" algn="l"/>
-              </a:tabLst>
-            </a:pPr>
-            <a:r>
-              <a:rPr lang="pt-BR" sz="1600" spc="-1" dirty="0" err="1">
-                <a:solidFill>
-                  <a:srgbClr val="000000"/>
-                </a:solidFill>
-                <a:latin typeface="Arial"/>
-              </a:rPr>
-              <a:t>Dbscan</a:t>
-            </a:r>
-            <a:endParaRPr lang="pt-BR" sz="1600" spc="-1" dirty="0">
-              <a:solidFill>
-                <a:srgbClr val="000000"/>
-              </a:solidFill>
-              <a:latin typeface="Arial"/>
-            </a:endParaRPr>
-          </a:p>
-          <a:p>
-            <a:pPr marL="344160" indent="-285120">
-              <a:lnSpc>
-                <a:spcPct val="90000"/>
-              </a:lnSpc>
-              <a:spcAft>
-                <a:spcPts val="601"/>
-              </a:spcAft>
-              <a:buClr>
-                <a:srgbClr val="000000"/>
-              </a:buClr>
-              <a:buFont typeface="Arial"/>
-              <a:buChar char="•"/>
-              <a:tabLst>
-                <a:tab pos="408240" algn="l"/>
-              </a:tabLst>
-            </a:pPr>
             <a:endParaRPr lang="pt-BR" sz="1600" spc="-1" dirty="0">
               <a:solidFill>
                 <a:srgbClr val="000000"/>
@@ -5069,15 +4312,75 @@
                 <a:latin typeface="Arial"/>
                 <a:ea typeface="DejaVu Sans"/>
               </a:rPr>
-              <a:t>Agrupamentos</a:t>
-            </a:r>
-          </a:p>
-        </p:txBody>
-      </p:sp>
+              <a:t>Resultado</a:t>
+            </a:r>
+          </a:p>
+        </p:txBody>
+      </p:sp>
+      <p:pic>
+        <p:nvPicPr>
+          <p:cNvPr id="7" name="Imagem 6">
+            <a:extLst>
+              <a:ext uri="{FF2B5EF4-FFF2-40B4-BE49-F238E27FC236}">
+                <a16:creationId xmlns:a16="http://schemas.microsoft.com/office/drawing/2014/main" id="{B17C22D2-6B81-9040-5699-5760B4AF72C9}"/>
+              </a:ext>
+            </a:extLst>
+          </p:cNvPr>
+          <p:cNvPicPr>
+            <a:picLocks noChangeAspect="1"/>
+          </p:cNvPicPr>
+          <p:nvPr/>
+        </p:nvPicPr>
+        <p:blipFill>
+          <a:blip r:embed="rId2"/>
+          <a:stretch>
+            <a:fillRect/>
+          </a:stretch>
+        </p:blipFill>
+        <p:spPr>
+          <a:xfrm>
+            <a:off x="6338" y="1300843"/>
+            <a:ext cx="5031027" cy="4342421"/>
+          </a:xfrm>
+          <a:prstGeom prst="rect">
+            <a:avLst/>
+          </a:prstGeom>
+        </p:spPr>
+      </p:pic>
+      <p:pic>
+        <p:nvPicPr>
+          <p:cNvPr id="6" name="Imagem 5">
+            <a:extLst>
+              <a:ext uri="{FF2B5EF4-FFF2-40B4-BE49-F238E27FC236}">
+                <a16:creationId xmlns:a16="http://schemas.microsoft.com/office/drawing/2014/main" id="{76DD0DAA-BA10-41BD-3EF6-3FCC896D01A0}"/>
+              </a:ext>
+            </a:extLst>
+          </p:cNvPr>
+          <p:cNvPicPr>
+            <a:picLocks noChangeAspect="1"/>
+          </p:cNvPicPr>
+          <p:nvPr/>
+        </p:nvPicPr>
+        <p:blipFill>
+          <a:blip r:embed="rId3"/>
+          <a:stretch>
+            <a:fillRect/>
+          </a:stretch>
+        </p:blipFill>
+        <p:spPr>
+          <a:xfrm>
+            <a:off x="5040312" y="1303881"/>
+            <a:ext cx="5038608" cy="4348966"/>
+          </a:xfrm>
+          <a:prstGeom prst="rect">
+            <a:avLst/>
+          </a:prstGeom>
+        </p:spPr>
+      </p:pic>
     </p:spTree>
     <p:extLst>
       <p:ext uri="{BB962C8B-B14F-4D97-AF65-F5344CB8AC3E}">
-        <p14:creationId xmlns:p14="http://schemas.microsoft.com/office/powerpoint/2010/main" val="704418410"/>
+        <p14:creationId xmlns:p14="http://schemas.microsoft.com/office/powerpoint/2010/main" val="2211753607"/>
       </p:ext>
     </p:extLst>
   </p:cSld>
@@ -5106,6 +4409,94 @@
       </p:grpSpPr>
       <p:sp>
         <p:nvSpPr>
+          <p:cNvPr id="48" name="CustomShape 2"/>
+          <p:cNvSpPr/>
+          <p:nvPr/>
+        </p:nvSpPr>
+        <p:spPr>
+          <a:xfrm>
+            <a:off x="0" y="210240"/>
+            <a:ext cx="10078920" cy="461160"/>
+          </a:xfrm>
+          <a:prstGeom prst="rect">
+            <a:avLst/>
+          </a:prstGeom>
+          <a:noFill/>
+          <a:ln w="0">
+            <a:noFill/>
+          </a:ln>
+        </p:spPr>
+        <p:style>
+          <a:lnRef idx="0">
+            <a:scrgbClr r="0" g="0" b="0"/>
+          </a:lnRef>
+          <a:fillRef idx="0">
+            <a:scrgbClr r="0" g="0" b="0"/>
+          </a:fillRef>
+          <a:effectRef idx="0">
+            <a:scrgbClr r="0" g="0" b="0"/>
+          </a:effectRef>
+          <a:fontRef idx="minor"/>
+        </p:style>
+        <p:txBody>
+          <a:bodyPr lIns="90000" tIns="45000" rIns="90000" bIns="45000">
+            <a:noAutofit/>
+          </a:bodyPr>
+          <a:lstStyle/>
+          <a:p>
+            <a:pPr algn="ctr">
+              <a:lnSpc>
+                <a:spcPct val="90000"/>
+              </a:lnSpc>
+              <a:spcAft>
+                <a:spcPts val="601"/>
+              </a:spcAft>
+            </a:pPr>
+            <a:r>
+              <a:rPr lang="pt-BR" sz="2800" b="1" strike="noStrike" spc="-1" dirty="0">
+                <a:solidFill>
+                  <a:srgbClr val="000000"/>
+                </a:solidFill>
+                <a:latin typeface="Arial"/>
+                <a:ea typeface="DejaVu Sans"/>
+              </a:rPr>
+              <a:t>Resultado</a:t>
+            </a:r>
+          </a:p>
+        </p:txBody>
+      </p:sp>
+    </p:spTree>
+    <p:extLst>
+      <p:ext uri="{BB962C8B-B14F-4D97-AF65-F5344CB8AC3E}">
+        <p14:creationId xmlns:p14="http://schemas.microsoft.com/office/powerpoint/2010/main" val="704418410"/>
+      </p:ext>
+    </p:extLst>
+  </p:cSld>
+  <p:clrMapOvr>
+    <a:masterClrMapping/>
+  </p:clrMapOvr>
+</p:sld>
+</file>
+
+<file path=ppt/slides/slide8.xml><?xml version="1.0" encoding="utf-8"?>
+<p:sld xmlns:a="http://schemas.openxmlformats.org/drawingml/2006/main" xmlns:r="http://schemas.openxmlformats.org/officeDocument/2006/relationships" xmlns:p="http://schemas.openxmlformats.org/presentationml/2006/main">
+  <p:cSld>
+    <p:spTree>
+      <p:nvGrpSpPr>
+        <p:cNvPr id="1" name=""/>
+        <p:cNvGrpSpPr/>
+        <p:nvPr/>
+      </p:nvGrpSpPr>
+      <p:grpSpPr>
+        <a:xfrm>
+          <a:off x="0" y="0"/>
+          <a:ext cx="0" cy="0"/>
+          <a:chOff x="0" y="0"/>
+          <a:chExt cx="0" cy="0"/>
+        </a:xfrm>
+      </p:grpSpPr>
+      <p:sp>
+        <p:nvSpPr>
           <p:cNvPr id="217" name="CustomShape 1"/>
           <p:cNvSpPr/>
           <p:nvPr/>
@@ -5443,7 +4834,7 @@
 </p:sld>
 </file>
 
-<file path=ppt/slides/slide8.xml><?xml version="1.0" encoding="utf-8"?>
+<file path=ppt/slides/slide9.xml><?xml version="1.0" encoding="utf-8"?>
 <p:sld xmlns:a="http://schemas.openxmlformats.org/drawingml/2006/main" xmlns:r="http://schemas.openxmlformats.org/officeDocument/2006/relationships" xmlns:p="http://schemas.openxmlformats.org/presentationml/2006/main">
   <p:cSld>
     <p:spTree>

--- a/Trabalho_4/Trabalho 4  Mineração_de_Dados.pptx
+++ b/Trabalho_4/Trabalho 4  Mineração_de_Dados.pptx
@@ -5,18 +5,17 @@
     <p:sldMasterId id="2147483648" r:id="rId1"/>
   </p:sldMasterIdLst>
   <p:notesMasterIdLst>
-    <p:notesMasterId r:id="rId11"/>
+    <p:notesMasterId r:id="rId10"/>
   </p:notesMasterIdLst>
   <p:sldIdLst>
     <p:sldId id="256" r:id="rId2"/>
     <p:sldId id="257" r:id="rId3"/>
-    <p:sldId id="292" r:id="rId4"/>
-    <p:sldId id="297" r:id="rId5"/>
-    <p:sldId id="295" r:id="rId6"/>
-    <p:sldId id="296" r:id="rId7"/>
-    <p:sldId id="293" r:id="rId8"/>
-    <p:sldId id="290" r:id="rId9"/>
-    <p:sldId id="291" r:id="rId10"/>
+    <p:sldId id="297" r:id="rId4"/>
+    <p:sldId id="295" r:id="rId5"/>
+    <p:sldId id="296" r:id="rId6"/>
+    <p:sldId id="298" r:id="rId7"/>
+    <p:sldId id="290" r:id="rId8"/>
+    <p:sldId id="291" r:id="rId9"/>
   </p:sldIdLst>
   <p:sldSz cx="10080625" cy="5670550"/>
   <p:notesSz cx="7559675" cy="10691813"/>
@@ -705,7 +704,7 @@
               <a:rPr lang="en-US" sz="1200" b="0" strike="noStrike" spc="-1">
                 <a:latin typeface="Times New Roman"/>
               </a:rPr>
-              <a:t>9</a:t>
+              <a:t>8</a:t>
             </a:fld>
             <a:endParaRPr lang="pt-BR" sz="1200" b="0" strike="noStrike" spc="-1">
               <a:latin typeface="Arial"/>
@@ -3387,6 +3386,153 @@
               </a:rPr>
               <a:t>data &lt;- scale(data)</a:t>
             </a:r>
+          </a:p>
+          <a:p>
+            <a:pPr marL="344160" indent="-285120">
+              <a:lnSpc>
+                <a:spcPct val="90000"/>
+              </a:lnSpc>
+              <a:spcAft>
+                <a:spcPts val="601"/>
+              </a:spcAft>
+              <a:buClr>
+                <a:srgbClr val="000000"/>
+              </a:buClr>
+              <a:buFont typeface="Arial"/>
+              <a:buChar char="•"/>
+              <a:tabLst>
+                <a:tab pos="408240" algn="l"/>
+              </a:tabLst>
+            </a:pPr>
+            <a:r>
+              <a:rPr lang="pt-BR" sz="1600" spc="-1" dirty="0">
+                <a:solidFill>
+                  <a:srgbClr val="000000"/>
+                </a:solidFill>
+                <a:latin typeface="Arial"/>
+              </a:rPr>
+              <a:t>Avaliação da entropia:</a:t>
+            </a:r>
+          </a:p>
+          <a:p>
+            <a:pPr marL="59040">
+              <a:lnSpc>
+                <a:spcPct val="90000"/>
+              </a:lnSpc>
+              <a:spcAft>
+                <a:spcPts val="601"/>
+              </a:spcAft>
+              <a:buClr>
+                <a:srgbClr val="000000"/>
+              </a:buClr>
+              <a:tabLst>
+                <a:tab pos="408240" algn="l"/>
+              </a:tabLst>
+            </a:pPr>
+            <a:r>
+              <a:rPr lang="en-US" sz="1600" spc="-1" dirty="0">
+                <a:solidFill>
+                  <a:srgbClr val="000000"/>
+                </a:solidFill>
+                <a:latin typeface="Courier New"/>
+              </a:rPr>
+              <a:t>	eval &lt;- </a:t>
+            </a:r>
+            <a:r>
+              <a:rPr lang="en-US" sz="1600" spc="-1" dirty="0" err="1">
+                <a:solidFill>
+                  <a:srgbClr val="000000"/>
+                </a:solidFill>
+                <a:latin typeface="Courier New"/>
+              </a:rPr>
+              <a:t>cluster_evaluation</a:t>
+            </a:r>
+            <a:r>
+              <a:rPr lang="en-US" sz="1600" spc="-1" dirty="0">
+                <a:solidFill>
+                  <a:srgbClr val="000000"/>
+                </a:solidFill>
+                <a:latin typeface="Courier New"/>
+              </a:rPr>
+              <a:t>(rep(1, </a:t>
+            </a:r>
+            <a:r>
+              <a:rPr lang="en-US" sz="1600" spc="-1" dirty="0" err="1">
+                <a:solidFill>
+                  <a:srgbClr val="000000"/>
+                </a:solidFill>
+                <a:latin typeface="Courier New"/>
+              </a:rPr>
+              <a:t>nrow</a:t>
+            </a:r>
+            <a:r>
+              <a:rPr lang="en-US" sz="1600" spc="-1" dirty="0">
+                <a:solidFill>
+                  <a:srgbClr val="000000"/>
+                </a:solidFill>
+                <a:latin typeface="Courier New"/>
+              </a:rPr>
+              <a:t>(data)), </a:t>
+            </a:r>
+            <a:r>
+              <a:rPr lang="en-US" sz="1600" spc="-1" dirty="0" err="1">
+                <a:solidFill>
+                  <a:srgbClr val="000000"/>
+                </a:solidFill>
+                <a:latin typeface="Courier New"/>
+              </a:rPr>
+              <a:t>data$cod</a:t>
+            </a:r>
+            <a:r>
+              <a:rPr lang="en-US" sz="1600" spc="-1" dirty="0">
+                <a:solidFill>
+                  <a:srgbClr val="000000"/>
+                </a:solidFill>
+                <a:latin typeface="Courier New"/>
+              </a:rPr>
+              <a:t>)</a:t>
+            </a:r>
+          </a:p>
+          <a:p>
+            <a:pPr marL="59040">
+              <a:lnSpc>
+                <a:spcPct val="90000"/>
+              </a:lnSpc>
+              <a:spcAft>
+                <a:spcPts val="601"/>
+              </a:spcAft>
+              <a:buClr>
+                <a:srgbClr val="000000"/>
+              </a:buClr>
+              <a:tabLst>
+                <a:tab pos="408240" algn="l"/>
+              </a:tabLst>
+            </a:pPr>
+            <a:r>
+              <a:rPr lang="pt-BR" sz="1600" spc="-1" dirty="0">
+                <a:solidFill>
+                  <a:srgbClr val="000000"/>
+                </a:solidFill>
+                <a:latin typeface="Arial"/>
+              </a:rPr>
+              <a:t>	[1] 12.72632</a:t>
+            </a:r>
+          </a:p>
+          <a:p>
+            <a:pPr marL="516240" lvl="1">
+              <a:lnSpc>
+                <a:spcPct val="90000"/>
+              </a:lnSpc>
+              <a:spcAft>
+                <a:spcPts val="601"/>
+              </a:spcAft>
+              <a:buClr>
+                <a:srgbClr val="000000"/>
+              </a:buClr>
+              <a:tabLst>
+                <a:tab pos="408240" algn="l"/>
+              </a:tabLst>
+            </a:pPr>
             <a:endParaRPr lang="pt-BR" sz="1600" spc="-1" dirty="0">
               <a:solidFill>
                 <a:srgbClr val="000000"/>
@@ -3481,199 +3627,6 @@
       </p:grpSpPr>
       <p:sp>
         <p:nvSpPr>
-          <p:cNvPr id="47" name="CustomShape 1"/>
-          <p:cNvSpPr/>
-          <p:nvPr/>
-        </p:nvSpPr>
-        <p:spPr>
-          <a:xfrm>
-            <a:off x="720000" y="1015214"/>
-            <a:ext cx="8638560" cy="4022150"/>
-          </a:xfrm>
-          <a:prstGeom prst="rect">
-            <a:avLst/>
-          </a:prstGeom>
-          <a:noFill/>
-          <a:ln w="0">
-            <a:noFill/>
-          </a:ln>
-        </p:spPr>
-        <p:style>
-          <a:lnRef idx="0">
-            <a:scrgbClr r="0" g="0" b="0"/>
-          </a:lnRef>
-          <a:fillRef idx="0">
-            <a:scrgbClr r="0" g="0" b="0"/>
-          </a:fillRef>
-          <a:effectRef idx="0">
-            <a:scrgbClr r="0" g="0" b="0"/>
-          </a:effectRef>
-          <a:fontRef idx="minor"/>
-        </p:style>
-        <p:txBody>
-          <a:bodyPr lIns="90000" tIns="45000" rIns="90000" bIns="45000">
-            <a:noAutofit/>
-          </a:bodyPr>
-          <a:lstStyle/>
-          <a:p>
-            <a:pPr marL="344160" indent="-285120">
-              <a:lnSpc>
-                <a:spcPct val="90000"/>
-              </a:lnSpc>
-              <a:spcAft>
-                <a:spcPts val="601"/>
-              </a:spcAft>
-              <a:buClr>
-                <a:srgbClr val="000000"/>
-              </a:buClr>
-              <a:buFont typeface="Arial"/>
-              <a:buChar char="•"/>
-              <a:tabLst>
-                <a:tab pos="408240" algn="l"/>
-              </a:tabLst>
-            </a:pPr>
-            <a:r>
-              <a:rPr lang="pt-BR" sz="1600" spc="-1" dirty="0">
-                <a:solidFill>
-                  <a:srgbClr val="000000"/>
-                </a:solidFill>
-                <a:latin typeface="Arial"/>
-              </a:rPr>
-              <a:t>Avaliação da entropia:</a:t>
-            </a:r>
-          </a:p>
-          <a:p>
-            <a:pPr marL="59040">
-              <a:lnSpc>
-                <a:spcPct val="90000"/>
-              </a:lnSpc>
-              <a:spcAft>
-                <a:spcPts val="601"/>
-              </a:spcAft>
-              <a:buClr>
-                <a:srgbClr val="000000"/>
-              </a:buClr>
-              <a:tabLst>
-                <a:tab pos="408240" algn="l"/>
-              </a:tabLst>
-            </a:pPr>
-            <a:r>
-              <a:rPr lang="en-US" sz="1600" spc="-1" dirty="0">
-                <a:solidFill>
-                  <a:srgbClr val="000000"/>
-                </a:solidFill>
-                <a:latin typeface="Courier New"/>
-              </a:rPr>
-              <a:t>	eval &lt;- </a:t>
-            </a:r>
-            <a:r>
-              <a:rPr lang="en-US" sz="1600" spc="-1" dirty="0" err="1">
-                <a:solidFill>
-                  <a:srgbClr val="000000"/>
-                </a:solidFill>
-                <a:latin typeface="Courier New"/>
-              </a:rPr>
-              <a:t>cluster_evaluation</a:t>
-            </a:r>
-            <a:r>
-              <a:rPr lang="en-US" sz="1600" spc="-1" dirty="0">
-                <a:solidFill>
-                  <a:srgbClr val="000000"/>
-                </a:solidFill>
-                <a:latin typeface="Courier New"/>
-              </a:rPr>
-              <a:t>(rep(1, </a:t>
-            </a:r>
-            <a:r>
-              <a:rPr lang="en-US" sz="1600" spc="-1" dirty="0" err="1">
-                <a:solidFill>
-                  <a:srgbClr val="000000"/>
-                </a:solidFill>
-                <a:latin typeface="Courier New"/>
-              </a:rPr>
-              <a:t>nrow</a:t>
-            </a:r>
-            <a:r>
-              <a:rPr lang="en-US" sz="1600" spc="-1" dirty="0">
-                <a:solidFill>
-                  <a:srgbClr val="000000"/>
-                </a:solidFill>
-                <a:latin typeface="Courier New"/>
-              </a:rPr>
-              <a:t>(data)), </a:t>
-            </a:r>
-            <a:r>
-              <a:rPr lang="en-US" sz="1600" spc="-1" dirty="0" err="1">
-                <a:solidFill>
-                  <a:srgbClr val="000000"/>
-                </a:solidFill>
-                <a:latin typeface="Courier New"/>
-              </a:rPr>
-              <a:t>data$cod</a:t>
-            </a:r>
-            <a:r>
-              <a:rPr lang="en-US" sz="1600" spc="-1" dirty="0">
-                <a:solidFill>
-                  <a:srgbClr val="000000"/>
-                </a:solidFill>
-                <a:latin typeface="Courier New"/>
-              </a:rPr>
-              <a:t>)</a:t>
-            </a:r>
-          </a:p>
-          <a:p>
-            <a:pPr marL="59040">
-              <a:lnSpc>
-                <a:spcPct val="90000"/>
-              </a:lnSpc>
-              <a:spcAft>
-                <a:spcPts val="601"/>
-              </a:spcAft>
-              <a:buClr>
-                <a:srgbClr val="000000"/>
-              </a:buClr>
-              <a:tabLst>
-                <a:tab pos="408240" algn="l"/>
-              </a:tabLst>
-            </a:pPr>
-            <a:r>
-              <a:rPr lang="pt-BR" sz="1600" spc="-1" dirty="0">
-                <a:solidFill>
-                  <a:srgbClr val="000000"/>
-                </a:solidFill>
-                <a:latin typeface="Arial"/>
-              </a:rPr>
-              <a:t>	[1] 12.72632</a:t>
-            </a:r>
-          </a:p>
-          <a:p>
-            <a:pPr marL="344160" indent="-285120">
-              <a:lnSpc>
-                <a:spcPct val="90000"/>
-              </a:lnSpc>
-              <a:spcAft>
-                <a:spcPts val="601"/>
-              </a:spcAft>
-              <a:buClr>
-                <a:srgbClr val="000000"/>
-              </a:buClr>
-              <a:buFont typeface="Arial"/>
-              <a:buChar char="•"/>
-              <a:tabLst>
-                <a:tab pos="408240" algn="l"/>
-              </a:tabLst>
-            </a:pPr>
-            <a:endParaRPr lang="pt-BR" sz="1600" spc="-1" dirty="0">
-              <a:solidFill>
-                <a:srgbClr val="000000"/>
-              </a:solidFill>
-              <a:latin typeface="Courier New"/>
-            </a:endParaRPr>
-          </a:p>
-        </p:txBody>
-      </p:sp>
-      <p:sp>
-        <p:nvSpPr>
           <p:cNvPr id="48" name="CustomShape 2"/>
           <p:cNvSpPr/>
           <p:nvPr/>
@@ -3725,15 +3678,73 @@
                 <a:latin typeface="Arial"/>
                 <a:ea typeface="DejaVu Sans"/>
               </a:rPr>
-              <a:t>Entropia</a:t>
-            </a:r>
-          </a:p>
-        </p:txBody>
-      </p:sp>
+              <a:t>Remove outliers</a:t>
+            </a:r>
+          </a:p>
+        </p:txBody>
+      </p:sp>
+      <p:pic>
+        <p:nvPicPr>
+          <p:cNvPr id="3" name="Imagem 2">
+            <a:extLst>
+              <a:ext uri="{FF2B5EF4-FFF2-40B4-BE49-F238E27FC236}">
+                <a16:creationId xmlns:a16="http://schemas.microsoft.com/office/drawing/2014/main" id="{751E9CD1-0BE0-AA52-56AB-FD256CA70140}"/>
+              </a:ext>
+            </a:extLst>
+          </p:cNvPr>
+          <p:cNvPicPr>
+            <a:picLocks noChangeAspect="1"/>
+          </p:cNvPicPr>
+          <p:nvPr/>
+        </p:nvPicPr>
+        <p:blipFill rotWithShape="1">
+          <a:blip r:embed="rId2"/>
+          <a:srcRect l="2559" t="9195" b="4553"/>
+          <a:stretch/>
+        </p:blipFill>
+        <p:spPr>
+          <a:xfrm>
+            <a:off x="32658" y="671400"/>
+            <a:ext cx="5058966" cy="3600000"/>
+          </a:xfrm>
+          <a:prstGeom prst="rect">
+            <a:avLst/>
+          </a:prstGeom>
+        </p:spPr>
+      </p:pic>
+      <p:pic>
+        <p:nvPicPr>
+          <p:cNvPr id="5" name="Imagem 4">
+            <a:extLst>
+              <a:ext uri="{FF2B5EF4-FFF2-40B4-BE49-F238E27FC236}">
+                <a16:creationId xmlns:a16="http://schemas.microsoft.com/office/drawing/2014/main" id="{4B82DE10-6F0B-81AA-73A6-C570DE8DC4C1}"/>
+              </a:ext>
+            </a:extLst>
+          </p:cNvPr>
+          <p:cNvPicPr>
+            <a:picLocks noChangeAspect="1"/>
+          </p:cNvPicPr>
+          <p:nvPr/>
+        </p:nvPicPr>
+        <p:blipFill rotWithShape="1">
+          <a:blip r:embed="rId3"/>
+          <a:srcRect l="4002" t="10931" r="3836" b="7544"/>
+          <a:stretch/>
+        </p:blipFill>
+        <p:spPr>
+          <a:xfrm>
+            <a:off x="5018287" y="2005582"/>
+            <a:ext cx="5062338" cy="3600000"/>
+          </a:xfrm>
+          <a:prstGeom prst="rect">
+            <a:avLst/>
+          </a:prstGeom>
+        </p:spPr>
+      </p:pic>
     </p:spTree>
     <p:extLst>
       <p:ext uri="{BB962C8B-B14F-4D97-AF65-F5344CB8AC3E}">
-        <p14:creationId xmlns:p14="http://schemas.microsoft.com/office/powerpoint/2010/main" val="3183098542"/>
+        <p14:creationId xmlns:p14="http://schemas.microsoft.com/office/powerpoint/2010/main" val="3981871755"/>
       </p:ext>
     </p:extLst>
   </p:cSld>
@@ -3762,6 +3773,68 @@
       </p:grpSpPr>
       <p:sp>
         <p:nvSpPr>
+          <p:cNvPr id="47" name="CustomShape 1"/>
+          <p:cNvSpPr/>
+          <p:nvPr/>
+        </p:nvSpPr>
+        <p:spPr>
+          <a:xfrm>
+            <a:off x="720000" y="1015214"/>
+            <a:ext cx="8638560" cy="4022150"/>
+          </a:xfrm>
+          <a:prstGeom prst="rect">
+            <a:avLst/>
+          </a:prstGeom>
+          <a:noFill/>
+          <a:ln w="0">
+            <a:noFill/>
+          </a:ln>
+        </p:spPr>
+        <p:style>
+          <a:lnRef idx="0">
+            <a:scrgbClr r="0" g="0" b="0"/>
+          </a:lnRef>
+          <a:fillRef idx="0">
+            <a:scrgbClr r="0" g="0" b="0"/>
+          </a:fillRef>
+          <a:effectRef idx="0">
+            <a:scrgbClr r="0" g="0" b="0"/>
+          </a:effectRef>
+          <a:fontRef idx="minor"/>
+        </p:style>
+        <p:txBody>
+          <a:bodyPr lIns="90000" tIns="45000" rIns="90000" bIns="45000">
+            <a:noAutofit/>
+          </a:bodyPr>
+          <a:lstStyle/>
+          <a:p>
+            <a:pPr marL="344160" indent="-285120">
+              <a:lnSpc>
+                <a:spcPct val="90000"/>
+              </a:lnSpc>
+              <a:spcAft>
+                <a:spcPts val="601"/>
+              </a:spcAft>
+              <a:buClr>
+                <a:srgbClr val="000000"/>
+              </a:buClr>
+              <a:buFont typeface="Arial"/>
+              <a:buChar char="•"/>
+              <a:tabLst>
+                <a:tab pos="408240" algn="l"/>
+              </a:tabLst>
+            </a:pPr>
+            <a:endParaRPr lang="pt-BR" sz="1600" spc="-1" dirty="0">
+              <a:solidFill>
+                <a:srgbClr val="000000"/>
+              </a:solidFill>
+              <a:latin typeface="Courier New"/>
+            </a:endParaRPr>
+          </a:p>
+        </p:txBody>
+      </p:sp>
+      <p:sp>
+        <p:nvSpPr>
           <p:cNvPr id="48" name="CustomShape 2"/>
           <p:cNvSpPr/>
           <p:nvPr/>
@@ -3813,17 +3886,34 @@
                 <a:latin typeface="Arial"/>
                 <a:ea typeface="DejaVu Sans"/>
               </a:rPr>
-              <a:t>Remove outliers</a:t>
-            </a:r>
+              <a:t>K-</a:t>
+            </a:r>
+            <a:r>
+              <a:rPr lang="pt-BR" sz="2800" b="1" strike="noStrike" spc="-1" dirty="0" err="1">
+                <a:solidFill>
+                  <a:srgbClr val="000000"/>
+                </a:solidFill>
+                <a:latin typeface="Arial"/>
+                <a:ea typeface="DejaVu Sans"/>
+              </a:rPr>
+              <a:t>Means</a:t>
+            </a:r>
+            <a:endParaRPr lang="pt-BR" sz="2800" b="1" strike="noStrike" spc="-1" dirty="0">
+              <a:solidFill>
+                <a:srgbClr val="000000"/>
+              </a:solidFill>
+              <a:latin typeface="Arial"/>
+              <a:ea typeface="DejaVu Sans"/>
+            </a:endParaRPr>
           </a:p>
         </p:txBody>
       </p:sp>
       <p:pic>
         <p:nvPicPr>
-          <p:cNvPr id="3" name="Imagem 2">
+          <p:cNvPr id="2" name="Imagem 1">
             <a:extLst>
               <a:ext uri="{FF2B5EF4-FFF2-40B4-BE49-F238E27FC236}">
-                <a16:creationId xmlns:a16="http://schemas.microsoft.com/office/drawing/2014/main" id="{751E9CD1-0BE0-AA52-56AB-FD256CA70140}"/>
+                <a16:creationId xmlns:a16="http://schemas.microsoft.com/office/drawing/2014/main" id="{1858908B-D2CE-F56C-E407-FDC64CA5F8AC}"/>
               </a:ext>
             </a:extLst>
           </p:cNvPr>
@@ -3832,27 +3922,139 @@
           </p:cNvPicPr>
           <p:nvPr/>
         </p:nvPicPr>
-        <p:blipFill rotWithShape="1">
+        <p:blipFill>
           <a:blip r:embed="rId2"/>
-          <a:srcRect l="2559" t="9195" b="4553"/>
-          <a:stretch/>
+          <a:stretch>
+            <a:fillRect/>
+          </a:stretch>
         </p:blipFill>
         <p:spPr>
           <a:xfrm>
-            <a:off x="32658" y="671400"/>
-            <a:ext cx="5058966" cy="3600000"/>
+            <a:off x="-2065" y="1468098"/>
+            <a:ext cx="5809772" cy="4022150"/>
           </a:xfrm>
           <a:prstGeom prst="rect">
             <a:avLst/>
           </a:prstGeom>
         </p:spPr>
       </p:pic>
+      <p:sp>
+        <p:nvSpPr>
+          <p:cNvPr id="3" name="CustomShape 1">
+            <a:extLst>
+              <a:ext uri="{FF2B5EF4-FFF2-40B4-BE49-F238E27FC236}">
+                <a16:creationId xmlns:a16="http://schemas.microsoft.com/office/drawing/2014/main" id="{6126066F-AE0B-45DF-4EB2-4FA741D2DEA7}"/>
+              </a:ext>
+            </a:extLst>
+          </p:cNvPr>
+          <p:cNvSpPr/>
+          <p:nvPr/>
+        </p:nvSpPr>
+        <p:spPr>
+          <a:xfrm>
+            <a:off x="-2065" y="872399"/>
+            <a:ext cx="9021568" cy="285629"/>
+          </a:xfrm>
+          <a:prstGeom prst="rect">
+            <a:avLst/>
+          </a:prstGeom>
+          <a:noFill/>
+          <a:ln w="0">
+            <a:noFill/>
+          </a:ln>
+        </p:spPr>
+        <p:style>
+          <a:lnRef idx="0">
+            <a:scrgbClr r="0" g="0" b="0"/>
+          </a:lnRef>
+          <a:fillRef idx="0">
+            <a:scrgbClr r="0" g="0" b="0"/>
+          </a:fillRef>
+          <a:effectRef idx="0">
+            <a:scrgbClr r="0" g="0" b="0"/>
+          </a:effectRef>
+          <a:fontRef idx="minor"/>
+        </p:style>
+        <p:txBody>
+          <a:bodyPr lIns="90000" tIns="45000" rIns="90000" bIns="45000">
+            <a:noAutofit/>
+          </a:bodyPr>
+          <a:lstStyle/>
+          <a:p>
+            <a:pPr marL="59040">
+              <a:lnSpc>
+                <a:spcPct val="90000"/>
+              </a:lnSpc>
+              <a:spcAft>
+                <a:spcPts val="601"/>
+              </a:spcAft>
+              <a:buClr>
+                <a:srgbClr val="000000"/>
+              </a:buClr>
+              <a:tabLst>
+                <a:tab pos="408240" algn="l"/>
+              </a:tabLst>
+            </a:pPr>
+            <a:r>
+              <a:rPr lang="pt-BR" sz="1400" b="1" spc="-1" dirty="0">
+                <a:solidFill>
+                  <a:srgbClr val="000000"/>
+                </a:solidFill>
+                <a:latin typeface="Arial"/>
+              </a:rPr>
+              <a:t>Para execução do K-</a:t>
+            </a:r>
+            <a:r>
+              <a:rPr lang="pt-BR" sz="1400" b="1" spc="-1" dirty="0" err="1">
+                <a:solidFill>
+                  <a:srgbClr val="000000"/>
+                </a:solidFill>
+                <a:latin typeface="Arial"/>
+              </a:rPr>
+              <a:t>means</a:t>
+            </a:r>
+            <a:r>
+              <a:rPr lang="pt-BR" sz="1400" b="1" spc="-1" dirty="0">
+                <a:solidFill>
+                  <a:srgbClr val="000000"/>
+                </a:solidFill>
+                <a:latin typeface="Arial"/>
+              </a:rPr>
+              <a:t>, o tamanho ótimo de K = 4</a:t>
+            </a:r>
+          </a:p>
+          <a:p>
+            <a:pPr marL="344160" indent="-285120">
+              <a:lnSpc>
+                <a:spcPct val="90000"/>
+              </a:lnSpc>
+              <a:spcAft>
+                <a:spcPts val="601"/>
+              </a:spcAft>
+              <a:buClr>
+                <a:srgbClr val="000000"/>
+              </a:buClr>
+              <a:buFont typeface="Arial"/>
+              <a:buChar char="•"/>
+              <a:tabLst>
+                <a:tab pos="408240" algn="l"/>
+              </a:tabLst>
+            </a:pPr>
+            <a:endParaRPr lang="pt-BR" sz="1400" b="1" spc="-1" dirty="0">
+              <a:solidFill>
+                <a:srgbClr val="000000"/>
+              </a:solidFill>
+              <a:latin typeface="Courier New"/>
+            </a:endParaRPr>
+          </a:p>
+        </p:txBody>
+      </p:sp>
       <p:pic>
         <p:nvPicPr>
-          <p:cNvPr id="5" name="Imagem 4">
+          <p:cNvPr id="4" name="Imagem 3">
             <a:extLst>
               <a:ext uri="{FF2B5EF4-FFF2-40B4-BE49-F238E27FC236}">
-                <a16:creationId xmlns:a16="http://schemas.microsoft.com/office/drawing/2014/main" id="{4B82DE10-6F0B-81AA-73A6-C570DE8DC4C1}"/>
+                <a16:creationId xmlns:a16="http://schemas.microsoft.com/office/drawing/2014/main" id="{17117F35-F9EF-D99B-AFEC-6411AD7236F1}"/>
               </a:ext>
             </a:extLst>
           </p:cNvPr>
@@ -3861,15 +4063,16 @@
           </p:cNvPicPr>
           <p:nvPr/>
         </p:nvPicPr>
-        <p:blipFill rotWithShape="1">
+        <p:blipFill>
           <a:blip r:embed="rId3"/>
-          <a:srcRect l="4002" t="10931" r="3836" b="7544"/>
-          <a:stretch/>
+          <a:stretch>
+            <a:fillRect/>
+          </a:stretch>
         </p:blipFill>
         <p:spPr>
           <a:xfrm>
-            <a:off x="5018287" y="2005582"/>
-            <a:ext cx="5062338" cy="3600000"/>
+            <a:off x="5380450" y="1300843"/>
+            <a:ext cx="4700175" cy="4056853"/>
           </a:xfrm>
           <a:prstGeom prst="rect">
             <a:avLst/>
@@ -3879,7 +4082,7 @@
     </p:spTree>
     <p:extLst>
       <p:ext uri="{BB962C8B-B14F-4D97-AF65-F5344CB8AC3E}">
-        <p14:creationId xmlns:p14="http://schemas.microsoft.com/office/powerpoint/2010/main" val="3981871755"/>
+        <p14:creationId xmlns:p14="http://schemas.microsoft.com/office/powerpoint/2010/main" val="963936021"/>
       </p:ext>
     </p:extLst>
   </p:cSld>
@@ -4021,17 +4224,34 @@
                 <a:latin typeface="Arial"/>
                 <a:ea typeface="DejaVu Sans"/>
               </a:rPr>
-              <a:t>Tamanho ótimo do K</a:t>
-            </a:r>
+              <a:t>K-</a:t>
+            </a:r>
+            <a:r>
+              <a:rPr lang="pt-BR" sz="2800" b="1" strike="noStrike" spc="-1" dirty="0" err="1">
+                <a:solidFill>
+                  <a:srgbClr val="000000"/>
+                </a:solidFill>
+                <a:latin typeface="Arial"/>
+                <a:ea typeface="DejaVu Sans"/>
+              </a:rPr>
+              <a:t>Medoid</a:t>
+            </a:r>
+            <a:endParaRPr lang="pt-BR" sz="2800" b="1" strike="noStrike" spc="-1" dirty="0">
+              <a:solidFill>
+                <a:srgbClr val="000000"/>
+              </a:solidFill>
+              <a:latin typeface="Arial"/>
+              <a:ea typeface="DejaVu Sans"/>
+            </a:endParaRPr>
           </a:p>
         </p:txBody>
       </p:sp>
       <p:pic>
         <p:nvPicPr>
-          <p:cNvPr id="2" name="Imagem 1">
+          <p:cNvPr id="3" name="Imagem 2">
             <a:extLst>
               <a:ext uri="{FF2B5EF4-FFF2-40B4-BE49-F238E27FC236}">
-                <a16:creationId xmlns:a16="http://schemas.microsoft.com/office/drawing/2014/main" id="{1858908B-D2CE-F56C-E407-FDC64CA5F8AC}"/>
+                <a16:creationId xmlns:a16="http://schemas.microsoft.com/office/drawing/2014/main" id="{AF9B406E-BFF6-F539-82E1-6AD3EF727AA8}"/>
               </a:ext>
             </a:extLst>
           </p:cNvPr>
@@ -4048,8 +4268,8 @@
         </p:blipFill>
         <p:spPr>
           <a:xfrm>
-            <a:off x="1790734" y="1108412"/>
-            <a:ext cx="6589756" cy="4562139"/>
+            <a:off x="-360" y="1676066"/>
+            <a:ext cx="5314950" cy="3784244"/>
           </a:xfrm>
           <a:prstGeom prst="rect">
             <a:avLst/>
@@ -4058,10 +4278,10 @@
       </p:pic>
       <p:sp>
         <p:nvSpPr>
-          <p:cNvPr id="3" name="CustomShape 1">
+          <p:cNvPr id="4" name="CustomShape 1">
             <a:extLst>
               <a:ext uri="{FF2B5EF4-FFF2-40B4-BE49-F238E27FC236}">
-                <a16:creationId xmlns:a16="http://schemas.microsoft.com/office/drawing/2014/main" id="{6126066F-AE0B-45DF-4EB2-4FA741D2DEA7}"/>
+                <a16:creationId xmlns:a16="http://schemas.microsoft.com/office/drawing/2014/main" id="{92150908-D7F0-18E8-0881-59E4B9B71E96}"/>
               </a:ext>
             </a:extLst>
           </p:cNvPr>
@@ -4070,8 +4290,8 @@
         </p:nvSpPr>
         <p:spPr>
           <a:xfrm>
-            <a:off x="2106353" y="752656"/>
-            <a:ext cx="6589756" cy="285629"/>
+            <a:off x="-2065" y="872399"/>
+            <a:ext cx="9021568" cy="285629"/>
           </a:xfrm>
           <a:prstGeom prst="rect">
             <a:avLst/>
@@ -4114,7 +4334,7 @@
               </a:tabLst>
             </a:pPr>
             <a:r>
-              <a:rPr lang="pt-BR" sz="1600" b="1" spc="-1" dirty="0">
+              <a:rPr lang="pt-BR" sz="1400" b="1" spc="-1" dirty="0">
                 <a:solidFill>
                   <a:srgbClr val="000000"/>
                 </a:solidFill>
@@ -4123,7 +4343,7 @@
               <a:t>Para execução do K-</a:t>
             </a:r>
             <a:r>
-              <a:rPr lang="pt-BR" sz="1600" b="1" spc="-1" dirty="0" err="1">
+              <a:rPr lang="pt-BR" sz="1400" b="1" spc="-1" dirty="0" err="1">
                 <a:solidFill>
                   <a:srgbClr val="000000"/>
                 </a:solidFill>
@@ -4132,45 +4352,51 @@
               <a:t>means</a:t>
             </a:r>
             <a:r>
-              <a:rPr lang="pt-BR" sz="1600" b="1" spc="-1" dirty="0">
-                <a:solidFill>
-                  <a:srgbClr val="000000"/>
-                </a:solidFill>
-                <a:latin typeface="Arial"/>
-              </a:rPr>
-              <a:t>, o tamanho ótimo de K = 4</a:t>
-            </a:r>
-          </a:p>
-          <a:p>
-            <a:pPr marL="344160" indent="-285120">
-              <a:lnSpc>
-                <a:spcPct val="90000"/>
-              </a:lnSpc>
-              <a:spcAft>
-                <a:spcPts val="601"/>
-              </a:spcAft>
-              <a:buClr>
-                <a:srgbClr val="000000"/>
-              </a:buClr>
-              <a:buFont typeface="Arial"/>
-              <a:buChar char="•"/>
-              <a:tabLst>
-                <a:tab pos="408240" algn="l"/>
-              </a:tabLst>
-            </a:pPr>
-            <a:endParaRPr lang="pt-BR" sz="1600" b="1" spc="-1" dirty="0">
-              <a:solidFill>
-                <a:srgbClr val="000000"/>
-              </a:solidFill>
-              <a:latin typeface="Courier New"/>
-            </a:endParaRPr>
-          </a:p>
-        </p:txBody>
-      </p:sp>
+              <a:rPr lang="pt-BR" sz="1400" b="1" spc="-1" dirty="0">
+                <a:solidFill>
+                  <a:srgbClr val="000000"/>
+                </a:solidFill>
+                <a:latin typeface="Arial"/>
+              </a:rPr>
+              <a:t>, o tamanho ótimo de K = 3</a:t>
+            </a:r>
+          </a:p>
+        </p:txBody>
+      </p:sp>
+      <p:pic>
+        <p:nvPicPr>
+          <p:cNvPr id="8" name="Imagem 7">
+            <a:extLst>
+              <a:ext uri="{FF2B5EF4-FFF2-40B4-BE49-F238E27FC236}">
+                <a16:creationId xmlns:a16="http://schemas.microsoft.com/office/drawing/2014/main" id="{BE1E0092-7AFF-A594-6D86-22486739769F}"/>
+              </a:ext>
+            </a:extLst>
+          </p:cNvPr>
+          <p:cNvPicPr>
+            <a:picLocks noChangeAspect="1"/>
+          </p:cNvPicPr>
+          <p:nvPr/>
+        </p:nvPicPr>
+        <p:blipFill>
+          <a:blip r:embed="rId3"/>
+          <a:stretch>
+            <a:fillRect/>
+          </a:stretch>
+        </p:blipFill>
+        <p:spPr>
+          <a:xfrm>
+            <a:off x="5218920" y="1719859"/>
+            <a:ext cx="4860000" cy="3460320"/>
+          </a:xfrm>
+          <a:prstGeom prst="rect">
+            <a:avLst/>
+          </a:prstGeom>
+        </p:spPr>
+      </p:pic>
     </p:spTree>
     <p:extLst>
       <p:ext uri="{BB962C8B-B14F-4D97-AF65-F5344CB8AC3E}">
-        <p14:creationId xmlns:p14="http://schemas.microsoft.com/office/powerpoint/2010/main" val="963936021"/>
+        <p14:creationId xmlns:p14="http://schemas.microsoft.com/office/powerpoint/2010/main" val="2211753607"/>
       </p:ext>
     </p:extLst>
   </p:cSld>
@@ -4312,17 +4538,175 @@
                 <a:latin typeface="Arial"/>
                 <a:ea typeface="DejaVu Sans"/>
               </a:rPr>
-              <a:t>Resultado</a:t>
-            </a:r>
+              <a:t>DBSCAN</a:t>
+            </a:r>
+          </a:p>
+        </p:txBody>
+      </p:sp>
+      <p:sp>
+        <p:nvSpPr>
+          <p:cNvPr id="3" name="CustomShape 1">
+            <a:extLst>
+              <a:ext uri="{FF2B5EF4-FFF2-40B4-BE49-F238E27FC236}">
+                <a16:creationId xmlns:a16="http://schemas.microsoft.com/office/drawing/2014/main" id="{6126066F-AE0B-45DF-4EB2-4FA741D2DEA7}"/>
+              </a:ext>
+            </a:extLst>
+          </p:cNvPr>
+          <p:cNvSpPr/>
+          <p:nvPr/>
+        </p:nvSpPr>
+        <p:spPr>
+          <a:xfrm>
+            <a:off x="-2065" y="821888"/>
+            <a:ext cx="6589756" cy="285629"/>
+          </a:xfrm>
+          <a:prstGeom prst="rect">
+            <a:avLst/>
+          </a:prstGeom>
+          <a:noFill/>
+          <a:ln w="0">
+            <a:noFill/>
+          </a:ln>
+        </p:spPr>
+        <p:style>
+          <a:lnRef idx="0">
+            <a:scrgbClr r="0" g="0" b="0"/>
+          </a:lnRef>
+          <a:fillRef idx="0">
+            <a:scrgbClr r="0" g="0" b="0"/>
+          </a:fillRef>
+          <a:effectRef idx="0">
+            <a:scrgbClr r="0" g="0" b="0"/>
+          </a:effectRef>
+          <a:fontRef idx="minor"/>
+        </p:style>
+        <p:txBody>
+          <a:bodyPr lIns="90000" tIns="45000" rIns="90000" bIns="45000">
+            <a:noAutofit/>
+          </a:bodyPr>
+          <a:lstStyle/>
+          <a:p>
+            <a:pPr marL="59040">
+              <a:lnSpc>
+                <a:spcPct val="90000"/>
+              </a:lnSpc>
+              <a:spcAft>
+                <a:spcPts val="601"/>
+              </a:spcAft>
+              <a:buClr>
+                <a:srgbClr val="000000"/>
+              </a:buClr>
+              <a:tabLst>
+                <a:tab pos="408240" algn="l"/>
+              </a:tabLst>
+            </a:pPr>
+            <a:r>
+              <a:rPr lang="pt-BR" sz="1600" b="1" spc="-1" dirty="0">
+                <a:solidFill>
+                  <a:srgbClr val="000000"/>
+                </a:solidFill>
+                <a:latin typeface="Arial"/>
+              </a:rPr>
+              <a:t>Para execução do DBSCAN, o tamanho ótimo de </a:t>
+            </a:r>
+            <a:r>
+              <a:rPr lang="pt-BR" sz="1600" b="1" spc="-1" dirty="0" err="1">
+                <a:solidFill>
+                  <a:srgbClr val="000000"/>
+                </a:solidFill>
+                <a:latin typeface="Arial"/>
+              </a:rPr>
+              <a:t>eps</a:t>
+            </a:r>
+            <a:r>
+              <a:rPr lang="pt-BR" sz="1600" b="1" spc="-1" dirty="0">
+                <a:solidFill>
+                  <a:srgbClr val="000000"/>
+                </a:solidFill>
+                <a:latin typeface="Arial"/>
+              </a:rPr>
+              <a:t>=0.7</a:t>
+            </a:r>
+          </a:p>
+          <a:p>
+            <a:pPr marL="59040">
+              <a:lnSpc>
+                <a:spcPct val="90000"/>
+              </a:lnSpc>
+              <a:spcAft>
+                <a:spcPts val="601"/>
+              </a:spcAft>
+              <a:buClr>
+                <a:srgbClr val="000000"/>
+              </a:buClr>
+              <a:tabLst>
+                <a:tab pos="408240" algn="l"/>
+              </a:tabLst>
+            </a:pPr>
+            <a:r>
+              <a:rPr lang="pt-BR" sz="1600" b="1" spc="-1" dirty="0">
+                <a:solidFill>
+                  <a:srgbClr val="000000"/>
+                </a:solidFill>
+                <a:latin typeface="Arial"/>
+              </a:rPr>
+              <a:t>Necessário amostra de 1% para execução.</a:t>
+            </a:r>
+          </a:p>
+          <a:p>
+            <a:pPr marL="59040">
+              <a:lnSpc>
+                <a:spcPct val="90000"/>
+              </a:lnSpc>
+              <a:spcAft>
+                <a:spcPts val="601"/>
+              </a:spcAft>
+              <a:buClr>
+                <a:srgbClr val="000000"/>
+              </a:buClr>
+              <a:tabLst>
+                <a:tab pos="408240" algn="l"/>
+              </a:tabLst>
+            </a:pPr>
+            <a:endParaRPr lang="pt-BR" sz="1600" b="1" spc="-1" dirty="0">
+              <a:solidFill>
+                <a:srgbClr val="000000"/>
+              </a:solidFill>
+              <a:latin typeface="Arial"/>
+            </a:endParaRPr>
+          </a:p>
+          <a:p>
+            <a:pPr marL="344160" indent="-285120">
+              <a:lnSpc>
+                <a:spcPct val="90000"/>
+              </a:lnSpc>
+              <a:spcAft>
+                <a:spcPts val="601"/>
+              </a:spcAft>
+              <a:buClr>
+                <a:srgbClr val="000000"/>
+              </a:buClr>
+              <a:buFont typeface="Arial"/>
+              <a:buChar char="•"/>
+              <a:tabLst>
+                <a:tab pos="408240" algn="l"/>
+              </a:tabLst>
+            </a:pPr>
+            <a:endParaRPr lang="pt-BR" sz="1600" b="1" spc="-1" dirty="0">
+              <a:solidFill>
+                <a:srgbClr val="000000"/>
+              </a:solidFill>
+              <a:latin typeface="Courier New"/>
+            </a:endParaRPr>
           </a:p>
         </p:txBody>
       </p:sp>
       <p:pic>
         <p:nvPicPr>
-          <p:cNvPr id="7" name="Imagem 6">
+          <p:cNvPr id="5" name="Imagem 4">
             <a:extLst>
               <a:ext uri="{FF2B5EF4-FFF2-40B4-BE49-F238E27FC236}">
-                <a16:creationId xmlns:a16="http://schemas.microsoft.com/office/drawing/2014/main" id="{B17C22D2-6B81-9040-5699-5760B4AF72C9}"/>
+                <a16:creationId xmlns:a16="http://schemas.microsoft.com/office/drawing/2014/main" id="{7EF3F447-DCEC-13D4-4285-FA3434BF388F}"/>
               </a:ext>
             </a:extLst>
           </p:cNvPr>
@@ -4331,16 +4715,15 @@
           </p:cNvPicPr>
           <p:nvPr/>
         </p:nvPicPr>
-        <p:blipFill>
+        <p:blipFill rotWithShape="1">
           <a:blip r:embed="rId2"/>
-          <a:stretch>
-            <a:fillRect/>
-          </a:stretch>
+          <a:srcRect t="10057" r="2857"/>
+          <a:stretch/>
         </p:blipFill>
         <p:spPr>
           <a:xfrm>
-            <a:off x="6338" y="1300843"/>
-            <a:ext cx="5031027" cy="4342421"/>
+            <a:off x="-2065" y="1610531"/>
+            <a:ext cx="5112908" cy="3370598"/>
           </a:xfrm>
           <a:prstGeom prst="rect">
             <a:avLst/>
@@ -4352,7 +4735,7 @@
           <p:cNvPr id="6" name="Imagem 5">
             <a:extLst>
               <a:ext uri="{FF2B5EF4-FFF2-40B4-BE49-F238E27FC236}">
-                <a16:creationId xmlns:a16="http://schemas.microsoft.com/office/drawing/2014/main" id="{76DD0DAA-BA10-41BD-3EF6-3FCC896D01A0}"/>
+                <a16:creationId xmlns:a16="http://schemas.microsoft.com/office/drawing/2014/main" id="{E5D01096-93C9-103E-A4C8-BFB58483EBD6}"/>
               </a:ext>
             </a:extLst>
           </p:cNvPr>
@@ -4369,8 +4752,8 @@
         </p:blipFill>
         <p:spPr>
           <a:xfrm>
-            <a:off x="5040312" y="1303881"/>
-            <a:ext cx="5038608" cy="4348966"/>
+            <a:off x="5040312" y="1577083"/>
+            <a:ext cx="5038608" cy="3587488"/>
           </a:xfrm>
           <a:prstGeom prst="rect">
             <a:avLst/>
@@ -4380,7 +4763,7 @@
     </p:spTree>
     <p:extLst>
       <p:ext uri="{BB962C8B-B14F-4D97-AF65-F5344CB8AC3E}">
-        <p14:creationId xmlns:p14="http://schemas.microsoft.com/office/powerpoint/2010/main" val="2211753607"/>
+        <p14:creationId xmlns:p14="http://schemas.microsoft.com/office/powerpoint/2010/main" val="568630106"/>
       </p:ext>
     </p:extLst>
   </p:cSld>
@@ -4409,94 +4792,6 @@
       </p:grpSpPr>
       <p:sp>
         <p:nvSpPr>
-          <p:cNvPr id="48" name="CustomShape 2"/>
-          <p:cNvSpPr/>
-          <p:nvPr/>
-        </p:nvSpPr>
-        <p:spPr>
-          <a:xfrm>
-            <a:off x="0" y="210240"/>
-            <a:ext cx="10078920" cy="461160"/>
-          </a:xfrm>
-          <a:prstGeom prst="rect">
-            <a:avLst/>
-          </a:prstGeom>
-          <a:noFill/>
-          <a:ln w="0">
-            <a:noFill/>
-          </a:ln>
-        </p:spPr>
-        <p:style>
-          <a:lnRef idx="0">
-            <a:scrgbClr r="0" g="0" b="0"/>
-          </a:lnRef>
-          <a:fillRef idx="0">
-            <a:scrgbClr r="0" g="0" b="0"/>
-          </a:fillRef>
-          <a:effectRef idx="0">
-            <a:scrgbClr r="0" g="0" b="0"/>
-          </a:effectRef>
-          <a:fontRef idx="minor"/>
-        </p:style>
-        <p:txBody>
-          <a:bodyPr lIns="90000" tIns="45000" rIns="90000" bIns="45000">
-            <a:noAutofit/>
-          </a:bodyPr>
-          <a:lstStyle/>
-          <a:p>
-            <a:pPr algn="ctr">
-              <a:lnSpc>
-                <a:spcPct val="90000"/>
-              </a:lnSpc>
-              <a:spcAft>
-                <a:spcPts val="601"/>
-              </a:spcAft>
-            </a:pPr>
-            <a:r>
-              <a:rPr lang="pt-BR" sz="2800" b="1" strike="noStrike" spc="-1" dirty="0">
-                <a:solidFill>
-                  <a:srgbClr val="000000"/>
-                </a:solidFill>
-                <a:latin typeface="Arial"/>
-                <a:ea typeface="DejaVu Sans"/>
-              </a:rPr>
-              <a:t>Resultado</a:t>
-            </a:r>
-          </a:p>
-        </p:txBody>
-      </p:sp>
-    </p:spTree>
-    <p:extLst>
-      <p:ext uri="{BB962C8B-B14F-4D97-AF65-F5344CB8AC3E}">
-        <p14:creationId xmlns:p14="http://schemas.microsoft.com/office/powerpoint/2010/main" val="704418410"/>
-      </p:ext>
-    </p:extLst>
-  </p:cSld>
-  <p:clrMapOvr>
-    <a:masterClrMapping/>
-  </p:clrMapOvr>
-</p:sld>
-</file>
-
-<file path=ppt/slides/slide8.xml><?xml version="1.0" encoding="utf-8"?>
-<p:sld xmlns:a="http://schemas.openxmlformats.org/drawingml/2006/main" xmlns:r="http://schemas.openxmlformats.org/officeDocument/2006/relationships" xmlns:p="http://schemas.openxmlformats.org/presentationml/2006/main">
-  <p:cSld>
-    <p:spTree>
-      <p:nvGrpSpPr>
-        <p:cNvPr id="1" name=""/>
-        <p:cNvGrpSpPr/>
-        <p:nvPr/>
-      </p:nvGrpSpPr>
-      <p:grpSpPr>
-        <a:xfrm>
-          <a:off x="0" y="0"/>
-          <a:ext cx="0" cy="0"/>
-          <a:chOff x="0" y="0"/>
-          <a:chExt cx="0" cy="0"/>
-        </a:xfrm>
-      </p:grpSpPr>
-      <p:sp>
-        <p:nvSpPr>
           <p:cNvPr id="217" name="CustomShape 1"/>
           <p:cNvSpPr/>
           <p:nvPr/>
@@ -4560,8 +4855,12 @@
               </a:rPr>
               <a:t>Github</a:t>
             </a:r>
-            <a:endParaRPr lang="pt-BR" sz="2400" b="0" strike="noStrike" spc="-1" dirty="0">
-              <a:latin typeface="Arial"/>
+            <a:endParaRPr lang="pt-BR" sz="2400" spc="-1" dirty="0">
+              <a:solidFill>
+                <a:srgbClr val="000000"/>
+              </a:solidFill>
+              <a:latin typeface="Arial"/>
+              <a:ea typeface="DejaVu Sans"/>
             </a:endParaRPr>
           </a:p>
           <a:p>
@@ -4815,8 +5114,8 @@
         </p:blipFill>
         <p:spPr>
           <a:xfrm>
-            <a:off x="6767280" y="2880000"/>
-            <a:ext cx="2591280" cy="2591280"/>
+            <a:off x="8033657" y="3638057"/>
+            <a:ext cx="1945388" cy="1945388"/>
           </a:xfrm>
           <a:prstGeom prst="rect">
             <a:avLst/>
@@ -4834,7 +5133,7 @@
 </p:sld>
 </file>
 
-<file path=ppt/slides/slide9.xml><?xml version="1.0" encoding="utf-8"?>
+<file path=ppt/slides/slide8.xml><?xml version="1.0" encoding="utf-8"?>
 <p:sld xmlns:a="http://schemas.openxmlformats.org/drawingml/2006/main" xmlns:r="http://schemas.openxmlformats.org/officeDocument/2006/relationships" xmlns:p="http://schemas.openxmlformats.org/presentationml/2006/main">
   <p:cSld>
     <p:spTree>
